--- a/Workflow/GAIA System.pptx
+++ b/Workflow/GAIA System.pptx
@@ -7,6 +7,9 @@
   <p:sldIdLst>
     <p:sldId id="256" r:id="rId2"/>
     <p:sldId id="257" r:id="rId3"/>
+    <p:sldId id="258" r:id="rId4"/>
+    <p:sldId id="259" r:id="rId5"/>
+    <p:sldId id="260" r:id="rId6"/>
   </p:sldIdLst>
   <p:sldSz cx="12192000" cy="6858000"/>
   <p:notesSz cx="6858000" cy="9144000"/>
@@ -105,6 +108,11 @@
       </a:defRPr>
     </a:lvl9pPr>
   </p:defaultTextStyle>
+  <p:extLst>
+    <p:ext uri="{EFAFB233-063F-42B5-8137-9DF3F51BA10A}">
+      <p15:sldGuideLst xmlns:p15="http://schemas.microsoft.com/office/powerpoint/2012/main"/>
+    </p:ext>
+  </p:extLst>
 </p:presentation>
 </file>
 
@@ -2296,7 +2304,7 @@
             <a:fld id="{A5B0A250-5CC0-1746-B209-08E8B0DAE6AF}" type="datetimeFigureOut">
               <a:rPr lang="en-US" smtClean="0"/>
               <a:pPr algn="l"/>
-              <a:t>2/3/2023</a:t>
+              <a:t>2/5/2023</a:t>
             </a:fld>
             <a:endParaRPr lang="en-US" dirty="0"/>
           </a:p>
@@ -3758,7 +3766,7 @@
           <a:p>
             <a:fld id="{A5B0A250-5CC0-1746-B209-08E8B0DAE6AF}" type="datetimeFigureOut">
               <a:rPr lang="en-US" smtClean="0"/>
-              <a:t>2/3/2023</a:t>
+              <a:t>2/5/2023</a:t>
             </a:fld>
             <a:endParaRPr lang="en-US" dirty="0"/>
           </a:p>
@@ -4688,7 +4696,7 @@
           <a:p>
             <a:fld id="{A5B0A250-5CC0-1746-B209-08E8B0DAE6AF}" type="datetimeFigureOut">
               <a:rPr lang="en-US" smtClean="0"/>
-              <a:t>2/3/2023</a:t>
+              <a:t>2/5/2023</a:t>
             </a:fld>
             <a:endParaRPr lang="en-US"/>
           </a:p>
@@ -6145,7 +6153,7 @@
           <a:p>
             <a:fld id="{A5B0A250-5CC0-1746-B209-08E8B0DAE6AF}" type="datetimeFigureOut">
               <a:rPr lang="en-US" smtClean="0"/>
-              <a:t>2/3/2023</a:t>
+              <a:t>2/5/2023</a:t>
             </a:fld>
             <a:endParaRPr lang="en-US" dirty="0"/>
           </a:p>
@@ -8501,7 +8509,7 @@
           <a:p>
             <a:fld id="{A5B0A250-5CC0-1746-B209-08E8B0DAE6AF}" type="datetimeFigureOut">
               <a:rPr lang="en-US" smtClean="0"/>
-              <a:t>2/3/2023</a:t>
+              <a:t>2/5/2023</a:t>
             </a:fld>
             <a:endParaRPr lang="en-US" dirty="0"/>
           </a:p>
@@ -9542,7 +9550,7 @@
           <a:p>
             <a:fld id="{A5B0A250-5CC0-1746-B209-08E8B0DAE6AF}" type="datetimeFigureOut">
               <a:rPr lang="en-US" smtClean="0"/>
-              <a:t>2/3/2023</a:t>
+              <a:t>2/5/2023</a:t>
             </a:fld>
             <a:endParaRPr lang="en-US" dirty="0"/>
           </a:p>
@@ -10755,7 +10763,7 @@
           <a:p>
             <a:fld id="{A5B0A250-5CC0-1746-B209-08E8B0DAE6AF}" type="datetimeFigureOut">
               <a:rPr lang="en-US" smtClean="0"/>
-              <a:t>2/3/2023</a:t>
+              <a:t>2/5/2023</a:t>
             </a:fld>
             <a:endParaRPr lang="en-US" dirty="0"/>
           </a:p>
@@ -11664,7 +11672,7 @@
           <a:p>
             <a:fld id="{A5B0A250-5CC0-1746-B209-08E8B0DAE6AF}" type="datetimeFigureOut">
               <a:rPr lang="en-US" smtClean="0"/>
-              <a:t>2/3/2023</a:t>
+              <a:t>2/5/2023</a:t>
             </a:fld>
             <a:endParaRPr lang="en-US" dirty="0"/>
           </a:p>
@@ -11823,7 +11831,7 @@
             <a:fld id="{A5B0A250-5CC0-1746-B209-08E8B0DAE6AF}" type="datetimeFigureOut">
               <a:rPr lang="en-US" smtClean="0"/>
               <a:pPr/>
-              <a:t>2/3/2023</a:t>
+              <a:t>2/5/2023</a:t>
             </a:fld>
             <a:endParaRPr lang="en-US" dirty="0"/>
           </a:p>
@@ -12806,7 +12814,7 @@
           <a:p>
             <a:fld id="{A5B0A250-5CC0-1746-B209-08E8B0DAE6AF}" type="datetimeFigureOut">
               <a:rPr lang="en-US" smtClean="0"/>
-              <a:t>2/3/2023</a:t>
+              <a:t>2/5/2023</a:t>
             </a:fld>
             <a:endParaRPr lang="en-US" dirty="0"/>
           </a:p>
@@ -13868,7 +13876,7 @@
           <a:p>
             <a:fld id="{A5B0A250-5CC0-1746-B209-08E8B0DAE6AF}" type="datetimeFigureOut">
               <a:rPr lang="en-US" smtClean="0"/>
-              <a:t>2/3/2023</a:t>
+              <a:t>2/5/2023</a:t>
             </a:fld>
             <a:endParaRPr lang="en-US" dirty="0"/>
           </a:p>
@@ -14156,7 +14164,7 @@
             <a:fld id="{A5B0A250-5CC0-1746-B209-08E8B0DAE6AF}" type="datetimeFigureOut">
               <a:rPr lang="en-US" smtClean="0"/>
               <a:pPr/>
-              <a:t>2/3/2023</a:t>
+              <a:t>2/5/2023</a:t>
             </a:fld>
             <a:endParaRPr lang="en-US" dirty="0"/>
           </a:p>
@@ -16111,11 +16119,7 @@
           <a:p>
             <a:r>
               <a:rPr lang="en-CA" dirty="0"/>
-              <a:t>Provide detailed routes and </a:t>
-            </a:r>
-            <a:r>
-              <a:rPr lang="en-CA"/>
-              <a:t>satellite coverage data:</a:t>
+              <a:t>Provide detailed routes and satellite coverage data:</a:t>
             </a:r>
           </a:p>
           <a:p>
@@ -17263,6 +17267,3915 @@
     <p:extLst>
       <p:ext uri="{BB962C8B-B14F-4D97-AF65-F5344CB8AC3E}">
         <p14:creationId xmlns:p14="http://schemas.microsoft.com/office/powerpoint/2010/main" val="2204088522"/>
+      </p:ext>
+    </p:extLst>
+  </p:cSld>
+  <p:clrMapOvr>
+    <a:overrideClrMapping bg1="dk1" tx1="lt1" bg2="dk2" tx2="lt2" accent1="accent1" accent2="accent2" accent3="accent3" accent4="accent4" accent5="accent5" accent6="accent6" hlink="hlink" folHlink="folHlink"/>
+  </p:clrMapOvr>
+</p:sld>
+</file>
+
+<file path=ppt/slides/slide3.xml><?xml version="1.0" encoding="utf-8"?>
+<p:sld xmlns:a="http://schemas.openxmlformats.org/drawingml/2006/main" xmlns:r="http://schemas.openxmlformats.org/officeDocument/2006/relationships" xmlns:p="http://schemas.openxmlformats.org/presentationml/2006/main">
+  <p:cSld>
+    <p:bg>
+      <p:bgPr>
+        <a:solidFill>
+          <a:schemeClr val="bg2"/>
+        </a:solidFill>
+        <a:effectLst/>
+      </p:bgPr>
+    </p:bg>
+    <p:spTree>
+      <p:nvGrpSpPr>
+        <p:cNvPr id="1" name=""/>
+        <p:cNvGrpSpPr/>
+        <p:nvPr/>
+      </p:nvGrpSpPr>
+      <p:grpSpPr>
+        <a:xfrm>
+          <a:off x="0" y="0"/>
+          <a:ext cx="0" cy="0"/>
+          <a:chOff x="0" y="0"/>
+          <a:chExt cx="0" cy="0"/>
+        </a:xfrm>
+      </p:grpSpPr>
+      <p:sp useBgFill="1">
+        <p:nvSpPr>
+          <p:cNvPr id="48" name="Rectangle 7">
+            <a:extLst>
+              <a:ext uri="{FF2B5EF4-FFF2-40B4-BE49-F238E27FC236}">
+                <a16:creationId xmlns:a16="http://schemas.microsoft.com/office/drawing/2014/main" id="{4EFE82FE-7465-AE46-88DF-34D347E83B84}"/>
+              </a:ext>
+              <a:ext uri="{C183D7F6-B498-43B3-948B-1728B52AA6E4}">
+                <adec:decorative xmlns:adec="http://schemas.microsoft.com/office/drawing/2017/decorative" val="1"/>
+              </a:ext>
+            </a:extLst>
+          </p:cNvPr>
+          <p:cNvSpPr>
+            <a:spLocks noGrp="1" noRot="1" noChangeAspect="1" noMove="1" noResize="1" noEditPoints="1" noAdjustHandles="1" noChangeArrowheads="1" noChangeShapeType="1" noTextEdit="1"/>
+          </p:cNvSpPr>
+          <p:nvPr>
+            <p:extLst>
+              <p:ext uri="{386F3935-93C4-4BCD-93E2-E3B085C9AB24}">
+                <p16:designElem xmlns:p16="http://schemas.microsoft.com/office/powerpoint/2015/main" val="1"/>
+              </p:ext>
+            </p:extLst>
+          </p:nvPr>
+        </p:nvSpPr>
+        <p:spPr>
+          <a:xfrm>
+            <a:off x="0" y="0"/>
+            <a:ext cx="12192000" cy="6858000"/>
+          </a:xfrm>
+          <a:prstGeom prst="rect">
+            <a:avLst/>
+          </a:prstGeom>
+          <a:ln>
+            <a:noFill/>
+          </a:ln>
+        </p:spPr>
+        <p:style>
+          <a:lnRef idx="2">
+            <a:schemeClr val="accent1">
+              <a:shade val="50000"/>
+            </a:schemeClr>
+          </a:lnRef>
+          <a:fillRef idx="1">
+            <a:schemeClr val="accent1"/>
+          </a:fillRef>
+          <a:effectRef idx="0">
+            <a:schemeClr val="accent1"/>
+          </a:effectRef>
+          <a:fontRef idx="minor">
+            <a:schemeClr val="lt1"/>
+          </a:fontRef>
+        </p:style>
+        <p:txBody>
+          <a:bodyPr rtlCol="0" anchor="ctr"/>
+          <a:lstStyle/>
+          <a:p>
+            <a:pPr algn="ctr"/>
+            <a:endParaRPr lang="en-US"/>
+          </a:p>
+        </p:txBody>
+      </p:sp>
+      <p:sp>
+        <p:nvSpPr>
+          <p:cNvPr id="2" name="Title 1">
+            <a:extLst>
+              <a:ext uri="{FF2B5EF4-FFF2-40B4-BE49-F238E27FC236}">
+                <a16:creationId xmlns:a16="http://schemas.microsoft.com/office/drawing/2014/main" id="{1D310C62-CA2B-1FB2-DC8C-28FA67B78ADE}"/>
+              </a:ext>
+            </a:extLst>
+          </p:cNvPr>
+          <p:cNvSpPr>
+            <a:spLocks noGrp="1"/>
+          </p:cNvSpPr>
+          <p:nvPr>
+            <p:ph type="title"/>
+          </p:nvPr>
+        </p:nvSpPr>
+        <p:spPr>
+          <a:xfrm>
+            <a:off x="565150" y="770890"/>
+            <a:ext cx="9198761" cy="1268984"/>
+          </a:xfrm>
+        </p:spPr>
+        <p:txBody>
+          <a:bodyPr>
+            <a:normAutofit/>
+          </a:bodyPr>
+          <a:lstStyle/>
+          <a:p>
+            <a:r>
+              <a:rPr lang="en-CA" dirty="0"/>
+              <a:t>Front End GUI</a:t>
+            </a:r>
+          </a:p>
+        </p:txBody>
+      </p:sp>
+      <p:sp>
+        <p:nvSpPr>
+          <p:cNvPr id="3" name="Content Placeholder 2">
+            <a:extLst>
+              <a:ext uri="{FF2B5EF4-FFF2-40B4-BE49-F238E27FC236}">
+                <a16:creationId xmlns:a16="http://schemas.microsoft.com/office/drawing/2014/main" id="{9D91B921-A024-A3BA-FD7E-3A8F13AE8294}"/>
+              </a:ext>
+            </a:extLst>
+          </p:cNvPr>
+          <p:cNvSpPr>
+            <a:spLocks noGrp="1"/>
+          </p:cNvSpPr>
+          <p:nvPr>
+            <p:ph idx="1"/>
+          </p:nvPr>
+        </p:nvSpPr>
+        <p:spPr>
+          <a:xfrm>
+            <a:off x="565150" y="2160016"/>
+            <a:ext cx="9198761" cy="3601212"/>
+          </a:xfrm>
+        </p:spPr>
+        <p:txBody>
+          <a:bodyPr>
+            <a:normAutofit/>
+          </a:bodyPr>
+          <a:lstStyle/>
+          <a:p>
+            <a:pPr lvl="1"/>
+            <a:endParaRPr lang="en-CA" dirty="0"/>
+          </a:p>
+        </p:txBody>
+      </p:sp>
+      <p:cxnSp>
+        <p:nvCxnSpPr>
+          <p:cNvPr id="49" name="Straight Connector 9">
+            <a:extLst>
+              <a:ext uri="{FF2B5EF4-FFF2-40B4-BE49-F238E27FC236}">
+                <a16:creationId xmlns:a16="http://schemas.microsoft.com/office/drawing/2014/main" id="{F8927D2C-C486-F740-897D-704CD65E9893}"/>
+              </a:ext>
+              <a:ext uri="{C183D7F6-B498-43B3-948B-1728B52AA6E4}">
+                <adec:decorative xmlns:adec="http://schemas.microsoft.com/office/drawing/2017/decorative" val="1"/>
+              </a:ext>
+            </a:extLst>
+          </p:cNvPr>
+          <p:cNvCxnSpPr>
+            <a:cxnSpLocks noGrp="1" noRot="1" noChangeAspect="1" noMove="1" noResize="1" noEditPoints="1" noAdjustHandles="1" noChangeArrowheads="1" noChangeShapeType="1"/>
+          </p:cNvCxnSpPr>
+          <p:nvPr>
+            <p:extLst>
+              <p:ext uri="{386F3935-93C4-4BCD-93E2-E3B085C9AB24}">
+                <p16:designElem xmlns:p16="http://schemas.microsoft.com/office/powerpoint/2015/main" val="1"/>
+              </p:ext>
+            </p:extLst>
+          </p:nvPr>
+        </p:nvCxnSpPr>
+        <p:spPr>
+          <a:xfrm>
+            <a:off x="565150" y="6087110"/>
+            <a:ext cx="9198761" cy="0"/>
+          </a:xfrm>
+          <a:prstGeom prst="line">
+            <a:avLst/>
+          </a:prstGeom>
+          <a:ln w="12700">
+            <a:solidFill>
+              <a:schemeClr val="tx2"/>
+            </a:solidFill>
+          </a:ln>
+        </p:spPr>
+        <p:style>
+          <a:lnRef idx="1">
+            <a:schemeClr val="accent1"/>
+          </a:lnRef>
+          <a:fillRef idx="0">
+            <a:schemeClr val="accent1"/>
+          </a:fillRef>
+          <a:effectRef idx="0">
+            <a:schemeClr val="accent1"/>
+          </a:effectRef>
+          <a:fontRef idx="minor">
+            <a:schemeClr val="tx1"/>
+          </a:fontRef>
+        </p:style>
+      </p:cxnSp>
+      <p:grpSp>
+        <p:nvGrpSpPr>
+          <p:cNvPr id="50" name="Group 11">
+            <a:extLst>
+              <a:ext uri="{FF2B5EF4-FFF2-40B4-BE49-F238E27FC236}">
+                <a16:creationId xmlns:a16="http://schemas.microsoft.com/office/drawing/2014/main" id="{E9EEDFCB-2A3D-724C-808B-F598214AFD09}"/>
+              </a:ext>
+              <a:ext uri="{C183D7F6-B498-43B3-948B-1728B52AA6E4}">
+                <adec:decorative xmlns:adec="http://schemas.microsoft.com/office/drawing/2017/decorative" val="1"/>
+              </a:ext>
+            </a:extLst>
+          </p:cNvPr>
+          <p:cNvGrpSpPr>
+            <a:grpSpLocks noGrp="1" noUngrp="1" noRot="1" noChangeAspect="1" noMove="1" noResize="1"/>
+          </p:cNvGrpSpPr>
+          <p:nvPr>
+            <p:extLst>
+              <p:ext uri="{386F3935-93C4-4BCD-93E2-E3B085C9AB24}">
+                <p16:designElem xmlns:p16="http://schemas.microsoft.com/office/powerpoint/2015/main" val="1"/>
+              </p:ext>
+            </p:extLst>
+          </p:nvPr>
+        </p:nvGrpSpPr>
+        <p:grpSpPr>
+          <a:xfrm>
+            <a:off x="10291746" y="0"/>
+            <a:ext cx="1900254" cy="6858000"/>
+            <a:chOff x="10291746" y="0"/>
+            <a:chExt cx="1900254" cy="6858000"/>
+          </a:xfrm>
+        </p:grpSpPr>
+        <p:sp>
+          <p:nvSpPr>
+            <p:cNvPr id="51" name="Freeform 24">
+              <a:extLst>
+                <a:ext uri="{FF2B5EF4-FFF2-40B4-BE49-F238E27FC236}">
+                  <a16:creationId xmlns:a16="http://schemas.microsoft.com/office/drawing/2014/main" id="{E21EA309-B774-174A-8761-21F785ADEC01}"/>
+                </a:ext>
+                <a:ext uri="{C183D7F6-B498-43B3-948B-1728B52AA6E4}">
+                  <adec:decorative xmlns:adec="http://schemas.microsoft.com/office/drawing/2017/decorative" val="1"/>
+                </a:ext>
+              </a:extLst>
+            </p:cNvPr>
+            <p:cNvSpPr/>
+            <p:nvPr>
+              <p:extLst>
+                <p:ext uri="{386F3935-93C4-4BCD-93E2-E3B085C9AB24}">
+                  <p16:designElem xmlns:p16="http://schemas.microsoft.com/office/powerpoint/2015/main" val="1"/>
+                </p:ext>
+              </p:extLst>
+            </p:nvPr>
+          </p:nvSpPr>
+          <p:spPr>
+            <a:xfrm>
+              <a:off x="11655829" y="809310"/>
+              <a:ext cx="536171" cy="1124839"/>
+            </a:xfrm>
+            <a:custGeom>
+              <a:avLst/>
+              <a:gdLst>
+                <a:gd name="connsiteX0" fmla="*/ 536171 w 536171"/>
+                <a:gd name="connsiteY0" fmla="*/ 0 h 1124839"/>
+                <a:gd name="connsiteX1" fmla="*/ 536171 w 536171"/>
+                <a:gd name="connsiteY1" fmla="*/ 1124839 h 1124839"/>
+                <a:gd name="connsiteX2" fmla="*/ 451423 w 536171"/>
+                <a:gd name="connsiteY2" fmla="*/ 1116295 h 1124839"/>
+                <a:gd name="connsiteX3" fmla="*/ 0 w 536171"/>
+                <a:gd name="connsiteY3" fmla="*/ 562419 h 1124839"/>
+                <a:gd name="connsiteX4" fmla="*/ 451423 w 536171"/>
+                <a:gd name="connsiteY4" fmla="*/ 8543 h 1124839"/>
+              </a:gdLst>
+              <a:ahLst/>
+              <a:cxnLst>
+                <a:cxn ang="0">
+                  <a:pos x="connsiteX0" y="connsiteY0"/>
+                </a:cxn>
+                <a:cxn ang="0">
+                  <a:pos x="connsiteX1" y="connsiteY1"/>
+                </a:cxn>
+                <a:cxn ang="0">
+                  <a:pos x="connsiteX2" y="connsiteY2"/>
+                </a:cxn>
+                <a:cxn ang="0">
+                  <a:pos x="connsiteX3" y="connsiteY3"/>
+                </a:cxn>
+                <a:cxn ang="0">
+                  <a:pos x="connsiteX4" y="connsiteY4"/>
+                </a:cxn>
+              </a:cxnLst>
+              <a:rect l="l" t="t" r="r" b="b"/>
+              <a:pathLst>
+                <a:path w="536171" h="1124839">
+                  <a:moveTo>
+                    <a:pt x="536171" y="0"/>
+                  </a:moveTo>
+                  <a:lnTo>
+                    <a:pt x="536171" y="1124839"/>
+                  </a:lnTo>
+                  <a:lnTo>
+                    <a:pt x="451423" y="1116295"/>
+                  </a:lnTo>
+                  <a:cubicBezTo>
+                    <a:pt x="193797" y="1063577"/>
+                    <a:pt x="0" y="835630"/>
+                    <a:pt x="0" y="562419"/>
+                  </a:cubicBezTo>
+                  <a:cubicBezTo>
+                    <a:pt x="0" y="289208"/>
+                    <a:pt x="193797" y="61261"/>
+                    <a:pt x="451423" y="8543"/>
+                  </a:cubicBezTo>
+                  <a:close/>
+                </a:path>
+              </a:pathLst>
+            </a:custGeom>
+            <a:solidFill>
+              <a:schemeClr val="accent1"/>
+            </a:solidFill>
+            <a:ln>
+              <a:noFill/>
+            </a:ln>
+          </p:spPr>
+          <p:style>
+            <a:lnRef idx="2">
+              <a:schemeClr val="accent1">
+                <a:shade val="50000"/>
+              </a:schemeClr>
+            </a:lnRef>
+            <a:fillRef idx="1">
+              <a:schemeClr val="accent1"/>
+            </a:fillRef>
+            <a:effectRef idx="0">
+              <a:schemeClr val="accent1"/>
+            </a:effectRef>
+            <a:fontRef idx="minor">
+              <a:schemeClr val="lt1"/>
+            </a:fontRef>
+          </p:style>
+          <p:txBody>
+            <a:bodyPr wrap="square" rtlCol="0" anchor="ctr">
+              <a:noAutofit/>
+            </a:bodyPr>
+            <a:lstStyle/>
+            <a:p>
+              <a:pPr algn="ctr"/>
+              <a:endParaRPr lang="en-US"/>
+            </a:p>
+          </p:txBody>
+        </p:sp>
+        <p:sp>
+          <p:nvSpPr>
+            <p:cNvPr id="52" name="Freeform 25">
+              <a:extLst>
+                <a:ext uri="{FF2B5EF4-FFF2-40B4-BE49-F238E27FC236}">
+                  <a16:creationId xmlns:a16="http://schemas.microsoft.com/office/drawing/2014/main" id="{BAFC7591-C9A8-C74C-AC5D-4D68233A0781}"/>
+                </a:ext>
+                <a:ext uri="{C183D7F6-B498-43B3-948B-1728B52AA6E4}">
+                  <adec:decorative xmlns:adec="http://schemas.microsoft.com/office/drawing/2017/decorative" val="1"/>
+                </a:ext>
+              </a:extLst>
+            </p:cNvPr>
+            <p:cNvSpPr/>
+            <p:nvPr>
+              <p:extLst>
+                <p:ext uri="{386F3935-93C4-4BCD-93E2-E3B085C9AB24}">
+                  <p16:designElem xmlns:p16="http://schemas.microsoft.com/office/powerpoint/2015/main" val="1"/>
+                </p:ext>
+              </p:extLst>
+            </p:nvPr>
+          </p:nvSpPr>
+          <p:spPr>
+            <a:xfrm>
+              <a:off x="10291748" y="0"/>
+              <a:ext cx="1130725" cy="565362"/>
+            </a:xfrm>
+            <a:custGeom>
+              <a:avLst/>
+              <a:gdLst>
+                <a:gd name="connsiteX0" fmla="*/ 0 w 1130725"/>
+                <a:gd name="connsiteY0" fmla="*/ 0 h 565362"/>
+                <a:gd name="connsiteX1" fmla="*/ 25420 w 1130725"/>
+                <a:gd name="connsiteY1" fmla="*/ 0 h 565362"/>
+                <a:gd name="connsiteX2" fmla="*/ 36369 w 1130725"/>
+                <a:gd name="connsiteY2" fmla="*/ 108609 h 565362"/>
+                <a:gd name="connsiteX3" fmla="*/ 565363 w 1130725"/>
+                <a:gd name="connsiteY3" fmla="*/ 539750 h 565362"/>
+                <a:gd name="connsiteX4" fmla="*/ 1094356 w 1130725"/>
+                <a:gd name="connsiteY4" fmla="*/ 108609 h 565362"/>
+                <a:gd name="connsiteX5" fmla="*/ 1105305 w 1130725"/>
+                <a:gd name="connsiteY5" fmla="*/ 0 h 565362"/>
+                <a:gd name="connsiteX6" fmla="*/ 1130725 w 1130725"/>
+                <a:gd name="connsiteY6" fmla="*/ 0 h 565362"/>
+                <a:gd name="connsiteX7" fmla="*/ 565363 w 1130725"/>
+                <a:gd name="connsiteY7" fmla="*/ 565362 h 565362"/>
+                <a:gd name="connsiteX8" fmla="*/ 0 w 1130725"/>
+                <a:gd name="connsiteY8" fmla="*/ 0 h 565362"/>
+              </a:gdLst>
+              <a:ahLst/>
+              <a:cxnLst>
+                <a:cxn ang="0">
+                  <a:pos x="connsiteX0" y="connsiteY0"/>
+                </a:cxn>
+                <a:cxn ang="0">
+                  <a:pos x="connsiteX1" y="connsiteY1"/>
+                </a:cxn>
+                <a:cxn ang="0">
+                  <a:pos x="connsiteX2" y="connsiteY2"/>
+                </a:cxn>
+                <a:cxn ang="0">
+                  <a:pos x="connsiteX3" y="connsiteY3"/>
+                </a:cxn>
+                <a:cxn ang="0">
+                  <a:pos x="connsiteX4" y="connsiteY4"/>
+                </a:cxn>
+                <a:cxn ang="0">
+                  <a:pos x="connsiteX5" y="connsiteY5"/>
+                </a:cxn>
+                <a:cxn ang="0">
+                  <a:pos x="connsiteX6" y="connsiteY6"/>
+                </a:cxn>
+                <a:cxn ang="0">
+                  <a:pos x="connsiteX7" y="connsiteY7"/>
+                </a:cxn>
+                <a:cxn ang="0">
+                  <a:pos x="connsiteX8" y="connsiteY8"/>
+                </a:cxn>
+              </a:cxnLst>
+              <a:rect l="l" t="t" r="r" b="b"/>
+              <a:pathLst>
+                <a:path w="1130725" h="565362">
+                  <a:moveTo>
+                    <a:pt x="0" y="0"/>
+                  </a:moveTo>
+                  <a:lnTo>
+                    <a:pt x="25420" y="0"/>
+                  </a:lnTo>
+                  <a:lnTo>
+                    <a:pt x="36369" y="108609"/>
+                  </a:lnTo>
+                  <a:cubicBezTo>
+                    <a:pt x="86718" y="354660"/>
+                    <a:pt x="304425" y="539750"/>
+                    <a:pt x="565363" y="539750"/>
+                  </a:cubicBezTo>
+                  <a:cubicBezTo>
+                    <a:pt x="826300" y="539750"/>
+                    <a:pt x="1044007" y="354660"/>
+                    <a:pt x="1094356" y="108609"/>
+                  </a:cubicBezTo>
+                  <a:lnTo>
+                    <a:pt x="1105305" y="0"/>
+                  </a:lnTo>
+                  <a:lnTo>
+                    <a:pt x="1130725" y="0"/>
+                  </a:lnTo>
+                  <a:cubicBezTo>
+                    <a:pt x="1130725" y="312241"/>
+                    <a:pt x="877604" y="565362"/>
+                    <a:pt x="565363" y="565362"/>
+                  </a:cubicBezTo>
+                  <a:cubicBezTo>
+                    <a:pt x="253121" y="565362"/>
+                    <a:pt x="0" y="312241"/>
+                    <a:pt x="0" y="0"/>
+                  </a:cubicBezTo>
+                  <a:close/>
+                </a:path>
+              </a:pathLst>
+            </a:custGeom>
+            <a:solidFill>
+              <a:schemeClr val="accent1"/>
+            </a:solidFill>
+            <a:ln>
+              <a:noFill/>
+            </a:ln>
+          </p:spPr>
+          <p:style>
+            <a:lnRef idx="2">
+              <a:schemeClr val="accent1">
+                <a:shade val="50000"/>
+              </a:schemeClr>
+            </a:lnRef>
+            <a:fillRef idx="1">
+              <a:schemeClr val="accent1"/>
+            </a:fillRef>
+            <a:effectRef idx="0">
+              <a:schemeClr val="accent1"/>
+            </a:effectRef>
+            <a:fontRef idx="minor">
+              <a:schemeClr val="lt1"/>
+            </a:fontRef>
+          </p:style>
+          <p:txBody>
+            <a:bodyPr wrap="square" rtlCol="0" anchor="ctr">
+              <a:noAutofit/>
+            </a:bodyPr>
+            <a:lstStyle/>
+            <a:p>
+              <a:pPr algn="ctr"/>
+              <a:endParaRPr lang="en-US"/>
+            </a:p>
+          </p:txBody>
+        </p:sp>
+        <p:sp>
+          <p:nvSpPr>
+            <p:cNvPr id="53" name="Freeform 26">
+              <a:extLst>
+                <a:ext uri="{FF2B5EF4-FFF2-40B4-BE49-F238E27FC236}">
+                  <a16:creationId xmlns:a16="http://schemas.microsoft.com/office/drawing/2014/main" id="{EF809621-1BDA-164A-AF8F-B4387D7F59CC}"/>
+                </a:ext>
+                <a:ext uri="{C183D7F6-B498-43B3-948B-1728B52AA6E4}">
+                  <adec:decorative xmlns:adec="http://schemas.microsoft.com/office/drawing/2017/decorative" val="1"/>
+                </a:ext>
+              </a:extLst>
+            </p:cNvPr>
+            <p:cNvSpPr/>
+            <p:nvPr>
+              <p:extLst>
+                <p:ext uri="{386F3935-93C4-4BCD-93E2-E3B085C9AB24}">
+                  <p16:designElem xmlns:p16="http://schemas.microsoft.com/office/powerpoint/2015/main" val="1"/>
+                </p:ext>
+              </p:extLst>
+            </p:nvPr>
+          </p:nvSpPr>
+          <p:spPr>
+            <a:xfrm>
+              <a:off x="11656578" y="0"/>
+              <a:ext cx="535422" cy="562344"/>
+            </a:xfrm>
+            <a:custGeom>
+              <a:avLst/>
+              <a:gdLst>
+                <a:gd name="connsiteX0" fmla="*/ 0 w 535422"/>
+                <a:gd name="connsiteY0" fmla="*/ 0 h 562344"/>
+                <a:gd name="connsiteX1" fmla="*/ 25421 w 535422"/>
+                <a:gd name="connsiteY1" fmla="*/ 0 h 562344"/>
+                <a:gd name="connsiteX2" fmla="*/ 36370 w 535422"/>
+                <a:gd name="connsiteY2" fmla="*/ 108609 h 562344"/>
+                <a:gd name="connsiteX3" fmla="*/ 469781 w 535422"/>
+                <a:gd name="connsiteY3" fmla="*/ 531316 h 562344"/>
+                <a:gd name="connsiteX4" fmla="*/ 535422 w 535422"/>
+                <a:gd name="connsiteY4" fmla="*/ 537108 h 562344"/>
+                <a:gd name="connsiteX5" fmla="*/ 535422 w 535422"/>
+                <a:gd name="connsiteY5" fmla="*/ 562344 h 562344"/>
+                <a:gd name="connsiteX6" fmla="*/ 451424 w 535422"/>
+                <a:gd name="connsiteY6" fmla="*/ 553876 h 562344"/>
+                <a:gd name="connsiteX7" fmla="*/ 0 w 535422"/>
+                <a:gd name="connsiteY7" fmla="*/ 0 h 562344"/>
+              </a:gdLst>
+              <a:ahLst/>
+              <a:cxnLst>
+                <a:cxn ang="0">
+                  <a:pos x="connsiteX0" y="connsiteY0"/>
+                </a:cxn>
+                <a:cxn ang="0">
+                  <a:pos x="connsiteX1" y="connsiteY1"/>
+                </a:cxn>
+                <a:cxn ang="0">
+                  <a:pos x="connsiteX2" y="connsiteY2"/>
+                </a:cxn>
+                <a:cxn ang="0">
+                  <a:pos x="connsiteX3" y="connsiteY3"/>
+                </a:cxn>
+                <a:cxn ang="0">
+                  <a:pos x="connsiteX4" y="connsiteY4"/>
+                </a:cxn>
+                <a:cxn ang="0">
+                  <a:pos x="connsiteX5" y="connsiteY5"/>
+                </a:cxn>
+                <a:cxn ang="0">
+                  <a:pos x="connsiteX6" y="connsiteY6"/>
+                </a:cxn>
+                <a:cxn ang="0">
+                  <a:pos x="connsiteX7" y="connsiteY7"/>
+                </a:cxn>
+              </a:cxnLst>
+              <a:rect l="l" t="t" r="r" b="b"/>
+              <a:pathLst>
+                <a:path w="535422" h="562344">
+                  <a:moveTo>
+                    <a:pt x="0" y="0"/>
+                  </a:moveTo>
+                  <a:lnTo>
+                    <a:pt x="25421" y="0"/>
+                  </a:lnTo>
+                  <a:lnTo>
+                    <a:pt x="36370" y="108609"/>
+                  </a:lnTo>
+                  <a:cubicBezTo>
+                    <a:pt x="80425" y="323904"/>
+                    <a:pt x="252614" y="492525"/>
+                    <a:pt x="469781" y="531316"/>
+                  </a:cubicBezTo>
+                  <a:lnTo>
+                    <a:pt x="535422" y="537108"/>
+                  </a:lnTo>
+                  <a:lnTo>
+                    <a:pt x="535422" y="562344"/>
+                  </a:lnTo>
+                  <a:lnTo>
+                    <a:pt x="451424" y="553876"/>
+                  </a:lnTo>
+                  <a:cubicBezTo>
+                    <a:pt x="193797" y="501158"/>
+                    <a:pt x="0" y="273211"/>
+                    <a:pt x="0" y="0"/>
+                  </a:cubicBezTo>
+                  <a:close/>
+                </a:path>
+              </a:pathLst>
+            </a:custGeom>
+            <a:solidFill>
+              <a:schemeClr val="accent1"/>
+            </a:solidFill>
+            <a:ln>
+              <a:noFill/>
+            </a:ln>
+          </p:spPr>
+          <p:style>
+            <a:lnRef idx="2">
+              <a:schemeClr val="accent1">
+                <a:shade val="50000"/>
+              </a:schemeClr>
+            </a:lnRef>
+            <a:fillRef idx="1">
+              <a:schemeClr val="accent1"/>
+            </a:fillRef>
+            <a:effectRef idx="0">
+              <a:schemeClr val="accent1"/>
+            </a:effectRef>
+            <a:fontRef idx="minor">
+              <a:schemeClr val="lt1"/>
+            </a:fontRef>
+          </p:style>
+          <p:txBody>
+            <a:bodyPr wrap="square" rtlCol="0" anchor="ctr">
+              <a:noAutofit/>
+            </a:bodyPr>
+            <a:lstStyle/>
+            <a:p>
+              <a:pPr algn="ctr"/>
+              <a:endParaRPr lang="en-US"/>
+            </a:p>
+          </p:txBody>
+        </p:sp>
+        <p:sp>
+          <p:nvSpPr>
+            <p:cNvPr id="54" name="Freeform 27">
+              <a:extLst>
+                <a:ext uri="{FF2B5EF4-FFF2-40B4-BE49-F238E27FC236}">
+                  <a16:creationId xmlns:a16="http://schemas.microsoft.com/office/drawing/2014/main" id="{1BB770FA-A215-4145-99DD-A80F35222328}"/>
+                </a:ext>
+                <a:ext uri="{C183D7F6-B498-43B3-948B-1728B52AA6E4}">
+                  <adec:decorative xmlns:adec="http://schemas.microsoft.com/office/drawing/2017/decorative" val="1"/>
+                </a:ext>
+              </a:extLst>
+            </p:cNvPr>
+            <p:cNvSpPr/>
+            <p:nvPr>
+              <p:extLst>
+                <p:ext uri="{386F3935-93C4-4BCD-93E2-E3B085C9AB24}">
+                  <p16:designElem xmlns:p16="http://schemas.microsoft.com/office/powerpoint/2015/main" val="1"/>
+                </p:ext>
+              </p:extLst>
+            </p:nvPr>
+          </p:nvSpPr>
+          <p:spPr>
+            <a:xfrm>
+              <a:off x="11656578" y="2181112"/>
+              <a:ext cx="535422" cy="1124687"/>
+            </a:xfrm>
+            <a:custGeom>
+              <a:avLst/>
+              <a:gdLst>
+                <a:gd name="connsiteX0" fmla="*/ 535422 w 535422"/>
+                <a:gd name="connsiteY0" fmla="*/ 0 h 1124687"/>
+                <a:gd name="connsiteX1" fmla="*/ 535422 w 535422"/>
+                <a:gd name="connsiteY1" fmla="*/ 25186 h 1124687"/>
+                <a:gd name="connsiteX2" fmla="*/ 456541 w 535422"/>
+                <a:gd name="connsiteY2" fmla="*/ 33138 h 1124687"/>
+                <a:gd name="connsiteX3" fmla="*/ 25399 w 535422"/>
+                <a:gd name="connsiteY3" fmla="*/ 562130 h 1124687"/>
+                <a:gd name="connsiteX4" fmla="*/ 456541 w 535422"/>
+                <a:gd name="connsiteY4" fmla="*/ 1091123 h 1124687"/>
+                <a:gd name="connsiteX5" fmla="*/ 535422 w 535422"/>
+                <a:gd name="connsiteY5" fmla="*/ 1099075 h 1124687"/>
+                <a:gd name="connsiteX6" fmla="*/ 535422 w 535422"/>
+                <a:gd name="connsiteY6" fmla="*/ 1124687 h 1124687"/>
+                <a:gd name="connsiteX7" fmla="*/ 451423 w 535422"/>
+                <a:gd name="connsiteY7" fmla="*/ 1116219 h 1124687"/>
+                <a:gd name="connsiteX8" fmla="*/ 0 w 535422"/>
+                <a:gd name="connsiteY8" fmla="*/ 562343 h 1124687"/>
+                <a:gd name="connsiteX9" fmla="*/ 451423 w 535422"/>
+                <a:gd name="connsiteY9" fmla="*/ 8468 h 1124687"/>
+              </a:gdLst>
+              <a:ahLst/>
+              <a:cxnLst>
+                <a:cxn ang="0">
+                  <a:pos x="connsiteX0" y="connsiteY0"/>
+                </a:cxn>
+                <a:cxn ang="0">
+                  <a:pos x="connsiteX1" y="connsiteY1"/>
+                </a:cxn>
+                <a:cxn ang="0">
+                  <a:pos x="connsiteX2" y="connsiteY2"/>
+                </a:cxn>
+                <a:cxn ang="0">
+                  <a:pos x="connsiteX3" y="connsiteY3"/>
+                </a:cxn>
+                <a:cxn ang="0">
+                  <a:pos x="connsiteX4" y="connsiteY4"/>
+                </a:cxn>
+                <a:cxn ang="0">
+                  <a:pos x="connsiteX5" y="connsiteY5"/>
+                </a:cxn>
+                <a:cxn ang="0">
+                  <a:pos x="connsiteX6" y="connsiteY6"/>
+                </a:cxn>
+                <a:cxn ang="0">
+                  <a:pos x="connsiteX7" y="connsiteY7"/>
+                </a:cxn>
+                <a:cxn ang="0">
+                  <a:pos x="connsiteX8" y="connsiteY8"/>
+                </a:cxn>
+                <a:cxn ang="0">
+                  <a:pos x="connsiteX9" y="connsiteY9"/>
+                </a:cxn>
+              </a:cxnLst>
+              <a:rect l="l" t="t" r="r" b="b"/>
+              <a:pathLst>
+                <a:path w="535422" h="1124687">
+                  <a:moveTo>
+                    <a:pt x="535422" y="0"/>
+                  </a:moveTo>
+                  <a:lnTo>
+                    <a:pt x="535422" y="25186"/>
+                  </a:lnTo>
+                  <a:lnTo>
+                    <a:pt x="456541" y="33138"/>
+                  </a:lnTo>
+                  <a:cubicBezTo>
+                    <a:pt x="210489" y="83487"/>
+                    <a:pt x="25399" y="301194"/>
+                    <a:pt x="25399" y="562130"/>
+                  </a:cubicBezTo>
+                  <a:cubicBezTo>
+                    <a:pt x="25399" y="823067"/>
+                    <a:pt x="210489" y="1040774"/>
+                    <a:pt x="456541" y="1091123"/>
+                  </a:cubicBezTo>
+                  <a:lnTo>
+                    <a:pt x="535422" y="1099075"/>
+                  </a:lnTo>
+                  <a:lnTo>
+                    <a:pt x="535422" y="1124687"/>
+                  </a:lnTo>
+                  <a:lnTo>
+                    <a:pt x="451423" y="1116219"/>
+                  </a:lnTo>
+                  <a:cubicBezTo>
+                    <a:pt x="193797" y="1063501"/>
+                    <a:pt x="0" y="835554"/>
+                    <a:pt x="0" y="562343"/>
+                  </a:cubicBezTo>
+                  <a:cubicBezTo>
+                    <a:pt x="0" y="289132"/>
+                    <a:pt x="193797" y="61185"/>
+                    <a:pt x="451423" y="8468"/>
+                  </a:cubicBezTo>
+                  <a:close/>
+                </a:path>
+              </a:pathLst>
+            </a:custGeom>
+            <a:solidFill>
+              <a:schemeClr val="accent1"/>
+            </a:solidFill>
+            <a:ln>
+              <a:noFill/>
+            </a:ln>
+          </p:spPr>
+          <p:style>
+            <a:lnRef idx="2">
+              <a:schemeClr val="accent1">
+                <a:shade val="50000"/>
+              </a:schemeClr>
+            </a:lnRef>
+            <a:fillRef idx="1">
+              <a:schemeClr val="accent1"/>
+            </a:fillRef>
+            <a:effectRef idx="0">
+              <a:schemeClr val="accent1"/>
+            </a:effectRef>
+            <a:fontRef idx="minor">
+              <a:schemeClr val="lt1"/>
+            </a:fontRef>
+          </p:style>
+          <p:txBody>
+            <a:bodyPr wrap="square" rtlCol="0" anchor="ctr">
+              <a:noAutofit/>
+            </a:bodyPr>
+            <a:lstStyle/>
+            <a:p>
+              <a:pPr algn="ctr"/>
+              <a:endParaRPr lang="en-US"/>
+            </a:p>
+          </p:txBody>
+        </p:sp>
+        <p:sp>
+          <p:nvSpPr>
+            <p:cNvPr id="17" name="Freeform 28">
+              <a:extLst>
+                <a:ext uri="{FF2B5EF4-FFF2-40B4-BE49-F238E27FC236}">
+                  <a16:creationId xmlns:a16="http://schemas.microsoft.com/office/drawing/2014/main" id="{B1AC917F-33CC-BD41-BD3D-389CDADA5891}"/>
+                </a:ext>
+                <a:ext uri="{C183D7F6-B498-43B3-948B-1728B52AA6E4}">
+                  <adec:decorative xmlns:adec="http://schemas.microsoft.com/office/drawing/2017/decorative" val="1"/>
+                </a:ext>
+              </a:extLst>
+            </p:cNvPr>
+            <p:cNvSpPr/>
+            <p:nvPr>
+              <p:extLst>
+                <p:ext uri="{386F3935-93C4-4BCD-93E2-E3B085C9AB24}">
+                  <p16:designElem xmlns:p16="http://schemas.microsoft.com/office/powerpoint/2015/main" val="1"/>
+                </p:ext>
+              </p:extLst>
+            </p:nvPr>
+          </p:nvSpPr>
+          <p:spPr>
+            <a:xfrm>
+              <a:off x="10291746" y="806365"/>
+              <a:ext cx="1130726" cy="1130724"/>
+            </a:xfrm>
+            <a:custGeom>
+              <a:avLst/>
+              <a:gdLst>
+                <a:gd name="connsiteX0" fmla="*/ 565363 w 1130726"/>
+                <a:gd name="connsiteY0" fmla="*/ 25186 h 1130724"/>
+                <a:gd name="connsiteX1" fmla="*/ 25399 w 1130726"/>
+                <a:gd name="connsiteY1" fmla="*/ 565149 h 1130724"/>
+                <a:gd name="connsiteX2" fmla="*/ 565363 w 1130726"/>
+                <a:gd name="connsiteY2" fmla="*/ 1105112 h 1130724"/>
+                <a:gd name="connsiteX3" fmla="*/ 1105327 w 1130726"/>
+                <a:gd name="connsiteY3" fmla="*/ 565149 h 1130724"/>
+                <a:gd name="connsiteX4" fmla="*/ 565363 w 1130726"/>
+                <a:gd name="connsiteY4" fmla="*/ 25186 h 1130724"/>
+                <a:gd name="connsiteX5" fmla="*/ 565363 w 1130726"/>
+                <a:gd name="connsiteY5" fmla="*/ 0 h 1130724"/>
+                <a:gd name="connsiteX6" fmla="*/ 1130726 w 1130726"/>
+                <a:gd name="connsiteY6" fmla="*/ 565362 h 1130724"/>
+                <a:gd name="connsiteX7" fmla="*/ 565363 w 1130726"/>
+                <a:gd name="connsiteY7" fmla="*/ 1130724 h 1130724"/>
+                <a:gd name="connsiteX8" fmla="*/ 0 w 1130726"/>
+                <a:gd name="connsiteY8" fmla="*/ 565362 h 1130724"/>
+                <a:gd name="connsiteX9" fmla="*/ 565363 w 1130726"/>
+                <a:gd name="connsiteY9" fmla="*/ 0 h 1130724"/>
+              </a:gdLst>
+              <a:ahLst/>
+              <a:cxnLst>
+                <a:cxn ang="0">
+                  <a:pos x="connsiteX0" y="connsiteY0"/>
+                </a:cxn>
+                <a:cxn ang="0">
+                  <a:pos x="connsiteX1" y="connsiteY1"/>
+                </a:cxn>
+                <a:cxn ang="0">
+                  <a:pos x="connsiteX2" y="connsiteY2"/>
+                </a:cxn>
+                <a:cxn ang="0">
+                  <a:pos x="connsiteX3" y="connsiteY3"/>
+                </a:cxn>
+                <a:cxn ang="0">
+                  <a:pos x="connsiteX4" y="connsiteY4"/>
+                </a:cxn>
+                <a:cxn ang="0">
+                  <a:pos x="connsiteX5" y="connsiteY5"/>
+                </a:cxn>
+                <a:cxn ang="0">
+                  <a:pos x="connsiteX6" y="connsiteY6"/>
+                </a:cxn>
+                <a:cxn ang="0">
+                  <a:pos x="connsiteX7" y="connsiteY7"/>
+                </a:cxn>
+                <a:cxn ang="0">
+                  <a:pos x="connsiteX8" y="connsiteY8"/>
+                </a:cxn>
+                <a:cxn ang="0">
+                  <a:pos x="connsiteX9" y="connsiteY9"/>
+                </a:cxn>
+              </a:cxnLst>
+              <a:rect l="l" t="t" r="r" b="b"/>
+              <a:pathLst>
+                <a:path w="1130726" h="1130724">
+                  <a:moveTo>
+                    <a:pt x="565363" y="25186"/>
+                  </a:moveTo>
+                  <a:cubicBezTo>
+                    <a:pt x="267149" y="25186"/>
+                    <a:pt x="25399" y="266936"/>
+                    <a:pt x="25399" y="565149"/>
+                  </a:cubicBezTo>
+                  <a:cubicBezTo>
+                    <a:pt x="25399" y="863362"/>
+                    <a:pt x="267149" y="1105112"/>
+                    <a:pt x="565363" y="1105112"/>
+                  </a:cubicBezTo>
+                  <a:cubicBezTo>
+                    <a:pt x="863577" y="1105112"/>
+                    <a:pt x="1105327" y="863362"/>
+                    <a:pt x="1105327" y="565149"/>
+                  </a:cubicBezTo>
+                  <a:cubicBezTo>
+                    <a:pt x="1105327" y="266936"/>
+                    <a:pt x="863577" y="25186"/>
+                    <a:pt x="565363" y="25186"/>
+                  </a:cubicBezTo>
+                  <a:close/>
+                  <a:moveTo>
+                    <a:pt x="565363" y="0"/>
+                  </a:moveTo>
+                  <a:cubicBezTo>
+                    <a:pt x="877604" y="0"/>
+                    <a:pt x="1130726" y="253121"/>
+                    <a:pt x="1130726" y="565362"/>
+                  </a:cubicBezTo>
+                  <a:cubicBezTo>
+                    <a:pt x="1130726" y="877603"/>
+                    <a:pt x="877604" y="1130724"/>
+                    <a:pt x="565363" y="1130724"/>
+                  </a:cubicBezTo>
+                  <a:cubicBezTo>
+                    <a:pt x="253122" y="1130724"/>
+                    <a:pt x="0" y="877603"/>
+                    <a:pt x="0" y="565362"/>
+                  </a:cubicBezTo>
+                  <a:cubicBezTo>
+                    <a:pt x="0" y="253121"/>
+                    <a:pt x="253122" y="0"/>
+                    <a:pt x="565363" y="0"/>
+                  </a:cubicBezTo>
+                  <a:close/>
+                </a:path>
+              </a:pathLst>
+            </a:custGeom>
+            <a:solidFill>
+              <a:schemeClr val="accent1"/>
+            </a:solidFill>
+            <a:ln>
+              <a:noFill/>
+            </a:ln>
+          </p:spPr>
+          <p:style>
+            <a:lnRef idx="2">
+              <a:schemeClr val="accent1">
+                <a:shade val="50000"/>
+              </a:schemeClr>
+            </a:lnRef>
+            <a:fillRef idx="1">
+              <a:schemeClr val="accent1"/>
+            </a:fillRef>
+            <a:effectRef idx="0">
+              <a:schemeClr val="accent1"/>
+            </a:effectRef>
+            <a:fontRef idx="minor">
+              <a:schemeClr val="lt1"/>
+            </a:fontRef>
+          </p:style>
+          <p:txBody>
+            <a:bodyPr wrap="square" rtlCol="0" anchor="ctr">
+              <a:noAutofit/>
+            </a:bodyPr>
+            <a:lstStyle/>
+            <a:p>
+              <a:pPr algn="ctr"/>
+              <a:endParaRPr lang="en-US"/>
+            </a:p>
+          </p:txBody>
+        </p:sp>
+        <p:sp>
+          <p:nvSpPr>
+            <p:cNvPr id="55" name="Freeform 29">
+              <a:extLst>
+                <a:ext uri="{FF2B5EF4-FFF2-40B4-BE49-F238E27FC236}">
+                  <a16:creationId xmlns:a16="http://schemas.microsoft.com/office/drawing/2014/main" id="{219FDC8D-2EFE-F143-88AB-B53BDF84E1DF}"/>
+                </a:ext>
+                <a:ext uri="{C183D7F6-B498-43B3-948B-1728B52AA6E4}">
+                  <adec:decorative xmlns:adec="http://schemas.microsoft.com/office/drawing/2017/decorative" val="1"/>
+                </a:ext>
+              </a:extLst>
+            </p:cNvPr>
+            <p:cNvSpPr/>
+            <p:nvPr>
+              <p:extLst>
+                <p:ext uri="{386F3935-93C4-4BCD-93E2-E3B085C9AB24}">
+                  <p16:designElem xmlns:p16="http://schemas.microsoft.com/office/powerpoint/2015/main" val="1"/>
+                </p:ext>
+              </p:extLst>
+            </p:nvPr>
+          </p:nvSpPr>
+          <p:spPr>
+            <a:xfrm>
+              <a:off x="11656578" y="3552837"/>
+              <a:ext cx="535422" cy="1124688"/>
+            </a:xfrm>
+            <a:custGeom>
+              <a:avLst/>
+              <a:gdLst>
+                <a:gd name="connsiteX0" fmla="*/ 535422 w 535422"/>
+                <a:gd name="connsiteY0" fmla="*/ 0 h 1124688"/>
+                <a:gd name="connsiteX1" fmla="*/ 535422 w 535422"/>
+                <a:gd name="connsiteY1" fmla="*/ 25186 h 1124688"/>
+                <a:gd name="connsiteX2" fmla="*/ 456541 w 535422"/>
+                <a:gd name="connsiteY2" fmla="*/ 33138 h 1124688"/>
+                <a:gd name="connsiteX3" fmla="*/ 25399 w 535422"/>
+                <a:gd name="connsiteY3" fmla="*/ 562131 h 1124688"/>
+                <a:gd name="connsiteX4" fmla="*/ 456541 w 535422"/>
+                <a:gd name="connsiteY4" fmla="*/ 1091124 h 1124688"/>
+                <a:gd name="connsiteX5" fmla="*/ 535422 w 535422"/>
+                <a:gd name="connsiteY5" fmla="*/ 1099076 h 1124688"/>
+                <a:gd name="connsiteX6" fmla="*/ 535422 w 535422"/>
+                <a:gd name="connsiteY6" fmla="*/ 1124688 h 1124688"/>
+                <a:gd name="connsiteX7" fmla="*/ 451423 w 535422"/>
+                <a:gd name="connsiteY7" fmla="*/ 1116220 h 1124688"/>
+                <a:gd name="connsiteX8" fmla="*/ 0 w 535422"/>
+                <a:gd name="connsiteY8" fmla="*/ 562344 h 1124688"/>
+                <a:gd name="connsiteX9" fmla="*/ 451423 w 535422"/>
+                <a:gd name="connsiteY9" fmla="*/ 8468 h 1124688"/>
+              </a:gdLst>
+              <a:ahLst/>
+              <a:cxnLst>
+                <a:cxn ang="0">
+                  <a:pos x="connsiteX0" y="connsiteY0"/>
+                </a:cxn>
+                <a:cxn ang="0">
+                  <a:pos x="connsiteX1" y="connsiteY1"/>
+                </a:cxn>
+                <a:cxn ang="0">
+                  <a:pos x="connsiteX2" y="connsiteY2"/>
+                </a:cxn>
+                <a:cxn ang="0">
+                  <a:pos x="connsiteX3" y="connsiteY3"/>
+                </a:cxn>
+                <a:cxn ang="0">
+                  <a:pos x="connsiteX4" y="connsiteY4"/>
+                </a:cxn>
+                <a:cxn ang="0">
+                  <a:pos x="connsiteX5" y="connsiteY5"/>
+                </a:cxn>
+                <a:cxn ang="0">
+                  <a:pos x="connsiteX6" y="connsiteY6"/>
+                </a:cxn>
+                <a:cxn ang="0">
+                  <a:pos x="connsiteX7" y="connsiteY7"/>
+                </a:cxn>
+                <a:cxn ang="0">
+                  <a:pos x="connsiteX8" y="connsiteY8"/>
+                </a:cxn>
+                <a:cxn ang="0">
+                  <a:pos x="connsiteX9" y="connsiteY9"/>
+                </a:cxn>
+              </a:cxnLst>
+              <a:rect l="l" t="t" r="r" b="b"/>
+              <a:pathLst>
+                <a:path w="535422" h="1124688">
+                  <a:moveTo>
+                    <a:pt x="535422" y="0"/>
+                  </a:moveTo>
+                  <a:lnTo>
+                    <a:pt x="535422" y="25186"/>
+                  </a:lnTo>
+                  <a:lnTo>
+                    <a:pt x="456541" y="33138"/>
+                  </a:lnTo>
+                  <a:cubicBezTo>
+                    <a:pt x="210489" y="83488"/>
+                    <a:pt x="25399" y="301195"/>
+                    <a:pt x="25399" y="562131"/>
+                  </a:cubicBezTo>
+                  <a:cubicBezTo>
+                    <a:pt x="25399" y="823068"/>
+                    <a:pt x="210489" y="1040775"/>
+                    <a:pt x="456541" y="1091124"/>
+                  </a:cubicBezTo>
+                  <a:lnTo>
+                    <a:pt x="535422" y="1099076"/>
+                  </a:lnTo>
+                  <a:lnTo>
+                    <a:pt x="535422" y="1124688"/>
+                  </a:lnTo>
+                  <a:lnTo>
+                    <a:pt x="451423" y="1116220"/>
+                  </a:lnTo>
+                  <a:cubicBezTo>
+                    <a:pt x="193797" y="1063502"/>
+                    <a:pt x="0" y="835555"/>
+                    <a:pt x="0" y="562344"/>
+                  </a:cubicBezTo>
+                  <a:cubicBezTo>
+                    <a:pt x="0" y="289133"/>
+                    <a:pt x="193797" y="61186"/>
+                    <a:pt x="451423" y="8468"/>
+                  </a:cubicBezTo>
+                  <a:close/>
+                </a:path>
+              </a:pathLst>
+            </a:custGeom>
+            <a:solidFill>
+              <a:schemeClr val="accent1"/>
+            </a:solidFill>
+            <a:ln>
+              <a:noFill/>
+            </a:ln>
+          </p:spPr>
+          <p:style>
+            <a:lnRef idx="2">
+              <a:schemeClr val="accent1">
+                <a:shade val="50000"/>
+              </a:schemeClr>
+            </a:lnRef>
+            <a:fillRef idx="1">
+              <a:schemeClr val="accent1"/>
+            </a:fillRef>
+            <a:effectRef idx="0">
+              <a:schemeClr val="accent1"/>
+            </a:effectRef>
+            <a:fontRef idx="minor">
+              <a:schemeClr val="lt1"/>
+            </a:fontRef>
+          </p:style>
+          <p:txBody>
+            <a:bodyPr wrap="square" rtlCol="0" anchor="ctr">
+              <a:noAutofit/>
+            </a:bodyPr>
+            <a:lstStyle/>
+            <a:p>
+              <a:pPr algn="ctr"/>
+              <a:endParaRPr lang="en-US"/>
+            </a:p>
+          </p:txBody>
+        </p:sp>
+        <p:sp>
+          <p:nvSpPr>
+            <p:cNvPr id="19" name="Freeform 30">
+              <a:extLst>
+                <a:ext uri="{FF2B5EF4-FFF2-40B4-BE49-F238E27FC236}">
+                  <a16:creationId xmlns:a16="http://schemas.microsoft.com/office/drawing/2014/main" id="{EB93DBCE-E7A6-BE4D-8D07-3D07913D936C}"/>
+                </a:ext>
+                <a:ext uri="{C183D7F6-B498-43B3-948B-1728B52AA6E4}">
+                  <adec:decorative xmlns:adec="http://schemas.microsoft.com/office/drawing/2017/decorative" val="1"/>
+                </a:ext>
+              </a:extLst>
+            </p:cNvPr>
+            <p:cNvSpPr/>
+            <p:nvPr>
+              <p:extLst>
+                <p:ext uri="{386F3935-93C4-4BCD-93E2-E3B085C9AB24}">
+                  <p16:designElem xmlns:p16="http://schemas.microsoft.com/office/powerpoint/2015/main" val="1"/>
+                </p:ext>
+              </p:extLst>
+            </p:nvPr>
+          </p:nvSpPr>
+          <p:spPr>
+            <a:xfrm>
+              <a:off x="11656642" y="6295916"/>
+              <a:ext cx="535358" cy="562084"/>
+            </a:xfrm>
+            <a:custGeom>
+              <a:avLst/>
+              <a:gdLst>
+                <a:gd name="connsiteX0" fmla="*/ 535358 w 535358"/>
+                <a:gd name="connsiteY0" fmla="*/ 0 h 562084"/>
+                <a:gd name="connsiteX1" fmla="*/ 535358 w 535358"/>
+                <a:gd name="connsiteY1" fmla="*/ 25186 h 562084"/>
+                <a:gd name="connsiteX2" fmla="*/ 469717 w 535358"/>
+                <a:gd name="connsiteY2" fmla="*/ 30978 h 562084"/>
+                <a:gd name="connsiteX3" fmla="*/ 36306 w 535358"/>
+                <a:gd name="connsiteY3" fmla="*/ 453686 h 562084"/>
+                <a:gd name="connsiteX4" fmla="*/ 25378 w 535358"/>
+                <a:gd name="connsiteY4" fmla="*/ 562084 h 562084"/>
+                <a:gd name="connsiteX5" fmla="*/ 0 w 535358"/>
+                <a:gd name="connsiteY5" fmla="*/ 562084 h 562084"/>
+                <a:gd name="connsiteX6" fmla="*/ 11423 w 535358"/>
+                <a:gd name="connsiteY6" fmla="*/ 448780 h 562084"/>
+                <a:gd name="connsiteX7" fmla="*/ 465221 w 535358"/>
+                <a:gd name="connsiteY7" fmla="*/ 6189 h 562084"/>
+              </a:gdLst>
+              <a:ahLst/>
+              <a:cxnLst>
+                <a:cxn ang="0">
+                  <a:pos x="connsiteX0" y="connsiteY0"/>
+                </a:cxn>
+                <a:cxn ang="0">
+                  <a:pos x="connsiteX1" y="connsiteY1"/>
+                </a:cxn>
+                <a:cxn ang="0">
+                  <a:pos x="connsiteX2" y="connsiteY2"/>
+                </a:cxn>
+                <a:cxn ang="0">
+                  <a:pos x="connsiteX3" y="connsiteY3"/>
+                </a:cxn>
+                <a:cxn ang="0">
+                  <a:pos x="connsiteX4" y="connsiteY4"/>
+                </a:cxn>
+                <a:cxn ang="0">
+                  <a:pos x="connsiteX5" y="connsiteY5"/>
+                </a:cxn>
+                <a:cxn ang="0">
+                  <a:pos x="connsiteX6" y="connsiteY6"/>
+                </a:cxn>
+                <a:cxn ang="0">
+                  <a:pos x="connsiteX7" y="connsiteY7"/>
+                </a:cxn>
+              </a:cxnLst>
+              <a:rect l="l" t="t" r="r" b="b"/>
+              <a:pathLst>
+                <a:path w="535358" h="562084">
+                  <a:moveTo>
+                    <a:pt x="535358" y="0"/>
+                  </a:moveTo>
+                  <a:lnTo>
+                    <a:pt x="535358" y="25186"/>
+                  </a:lnTo>
+                  <a:lnTo>
+                    <a:pt x="469717" y="30978"/>
+                  </a:lnTo>
+                  <a:cubicBezTo>
+                    <a:pt x="252550" y="69769"/>
+                    <a:pt x="80361" y="238391"/>
+                    <a:pt x="36306" y="453686"/>
+                  </a:cubicBezTo>
+                  <a:lnTo>
+                    <a:pt x="25378" y="562084"/>
+                  </a:lnTo>
+                  <a:lnTo>
+                    <a:pt x="0" y="562084"/>
+                  </a:lnTo>
+                  <a:lnTo>
+                    <a:pt x="11423" y="448780"/>
+                  </a:lnTo>
+                  <a:cubicBezTo>
+                    <a:pt x="57551" y="223357"/>
+                    <a:pt x="237840" y="46805"/>
+                    <a:pt x="465221" y="6189"/>
+                  </a:cubicBezTo>
+                  <a:close/>
+                </a:path>
+              </a:pathLst>
+            </a:custGeom>
+            <a:solidFill>
+              <a:schemeClr val="accent1"/>
+            </a:solidFill>
+            <a:ln>
+              <a:noFill/>
+            </a:ln>
+          </p:spPr>
+          <p:style>
+            <a:lnRef idx="2">
+              <a:schemeClr val="accent1">
+                <a:shade val="50000"/>
+              </a:schemeClr>
+            </a:lnRef>
+            <a:fillRef idx="1">
+              <a:schemeClr val="accent1"/>
+            </a:fillRef>
+            <a:effectRef idx="0">
+              <a:schemeClr val="accent1"/>
+            </a:effectRef>
+            <a:fontRef idx="minor">
+              <a:schemeClr val="lt1"/>
+            </a:fontRef>
+          </p:style>
+          <p:txBody>
+            <a:bodyPr wrap="square" rtlCol="0" anchor="ctr">
+              <a:noAutofit/>
+            </a:bodyPr>
+            <a:lstStyle/>
+            <a:p>
+              <a:pPr algn="ctr"/>
+              <a:endParaRPr lang="en-US"/>
+            </a:p>
+          </p:txBody>
+        </p:sp>
+      </p:grpSp>
+    </p:spTree>
+    <p:extLst>
+      <p:ext uri="{BB962C8B-B14F-4D97-AF65-F5344CB8AC3E}">
+        <p14:creationId xmlns:p14="http://schemas.microsoft.com/office/powerpoint/2010/main" val="603682279"/>
+      </p:ext>
+    </p:extLst>
+  </p:cSld>
+  <p:clrMapOvr>
+    <a:overrideClrMapping bg1="dk1" tx1="lt1" bg2="dk2" tx2="lt2" accent1="accent1" accent2="accent2" accent3="accent3" accent4="accent4" accent5="accent5" accent6="accent6" hlink="hlink" folHlink="folHlink"/>
+  </p:clrMapOvr>
+</p:sld>
+</file>
+
+<file path=ppt/slides/slide4.xml><?xml version="1.0" encoding="utf-8"?>
+<p:sld xmlns:a="http://schemas.openxmlformats.org/drawingml/2006/main" xmlns:r="http://schemas.openxmlformats.org/officeDocument/2006/relationships" xmlns:p="http://schemas.openxmlformats.org/presentationml/2006/main">
+  <p:cSld>
+    <p:bg>
+      <p:bgPr>
+        <a:solidFill>
+          <a:schemeClr val="bg2"/>
+        </a:solidFill>
+        <a:effectLst/>
+      </p:bgPr>
+    </p:bg>
+    <p:spTree>
+      <p:nvGrpSpPr>
+        <p:cNvPr id="1" name=""/>
+        <p:cNvGrpSpPr/>
+        <p:nvPr/>
+      </p:nvGrpSpPr>
+      <p:grpSpPr>
+        <a:xfrm>
+          <a:off x="0" y="0"/>
+          <a:ext cx="0" cy="0"/>
+          <a:chOff x="0" y="0"/>
+          <a:chExt cx="0" cy="0"/>
+        </a:xfrm>
+      </p:grpSpPr>
+      <p:sp useBgFill="1">
+        <p:nvSpPr>
+          <p:cNvPr id="48" name="Rectangle 7">
+            <a:extLst>
+              <a:ext uri="{FF2B5EF4-FFF2-40B4-BE49-F238E27FC236}">
+                <a16:creationId xmlns:a16="http://schemas.microsoft.com/office/drawing/2014/main" id="{4EFE82FE-7465-AE46-88DF-34D347E83B84}"/>
+              </a:ext>
+              <a:ext uri="{C183D7F6-B498-43B3-948B-1728B52AA6E4}">
+                <adec:decorative xmlns:adec="http://schemas.microsoft.com/office/drawing/2017/decorative" val="1"/>
+              </a:ext>
+            </a:extLst>
+          </p:cNvPr>
+          <p:cNvSpPr>
+            <a:spLocks noGrp="1" noRot="1" noChangeAspect="1" noMove="1" noResize="1" noEditPoints="1" noAdjustHandles="1" noChangeArrowheads="1" noChangeShapeType="1" noTextEdit="1"/>
+          </p:cNvSpPr>
+          <p:nvPr>
+            <p:extLst>
+              <p:ext uri="{386F3935-93C4-4BCD-93E2-E3B085C9AB24}">
+                <p16:designElem xmlns:p16="http://schemas.microsoft.com/office/powerpoint/2015/main" val="1"/>
+              </p:ext>
+            </p:extLst>
+          </p:nvPr>
+        </p:nvSpPr>
+        <p:spPr>
+          <a:xfrm>
+            <a:off x="0" y="0"/>
+            <a:ext cx="12192000" cy="6858000"/>
+          </a:xfrm>
+          <a:prstGeom prst="rect">
+            <a:avLst/>
+          </a:prstGeom>
+          <a:ln>
+            <a:noFill/>
+          </a:ln>
+        </p:spPr>
+        <p:style>
+          <a:lnRef idx="2">
+            <a:schemeClr val="accent1">
+              <a:shade val="50000"/>
+            </a:schemeClr>
+          </a:lnRef>
+          <a:fillRef idx="1">
+            <a:schemeClr val="accent1"/>
+          </a:fillRef>
+          <a:effectRef idx="0">
+            <a:schemeClr val="accent1"/>
+          </a:effectRef>
+          <a:fontRef idx="minor">
+            <a:schemeClr val="lt1"/>
+          </a:fontRef>
+        </p:style>
+        <p:txBody>
+          <a:bodyPr rtlCol="0" anchor="ctr"/>
+          <a:lstStyle/>
+          <a:p>
+            <a:pPr algn="ctr"/>
+            <a:endParaRPr lang="en-US"/>
+          </a:p>
+        </p:txBody>
+      </p:sp>
+      <p:sp>
+        <p:nvSpPr>
+          <p:cNvPr id="2" name="Title 1">
+            <a:extLst>
+              <a:ext uri="{FF2B5EF4-FFF2-40B4-BE49-F238E27FC236}">
+                <a16:creationId xmlns:a16="http://schemas.microsoft.com/office/drawing/2014/main" id="{1D310C62-CA2B-1FB2-DC8C-28FA67B78ADE}"/>
+              </a:ext>
+            </a:extLst>
+          </p:cNvPr>
+          <p:cNvSpPr>
+            <a:spLocks noGrp="1"/>
+          </p:cNvSpPr>
+          <p:nvPr>
+            <p:ph type="title"/>
+          </p:nvPr>
+        </p:nvSpPr>
+        <p:spPr>
+          <a:xfrm>
+            <a:off x="565150" y="770890"/>
+            <a:ext cx="9198761" cy="1268984"/>
+          </a:xfrm>
+        </p:spPr>
+        <p:txBody>
+          <a:bodyPr>
+            <a:normAutofit/>
+          </a:bodyPr>
+          <a:lstStyle/>
+          <a:p>
+            <a:r>
+              <a:rPr lang="en-CA" dirty="0"/>
+              <a:t>Back end Engine</a:t>
+            </a:r>
+          </a:p>
+        </p:txBody>
+      </p:sp>
+      <p:sp>
+        <p:nvSpPr>
+          <p:cNvPr id="3" name="Content Placeholder 2">
+            <a:extLst>
+              <a:ext uri="{FF2B5EF4-FFF2-40B4-BE49-F238E27FC236}">
+                <a16:creationId xmlns:a16="http://schemas.microsoft.com/office/drawing/2014/main" id="{9D91B921-A024-A3BA-FD7E-3A8F13AE8294}"/>
+              </a:ext>
+            </a:extLst>
+          </p:cNvPr>
+          <p:cNvSpPr>
+            <a:spLocks noGrp="1"/>
+          </p:cNvSpPr>
+          <p:nvPr>
+            <p:ph idx="1"/>
+          </p:nvPr>
+        </p:nvSpPr>
+        <p:spPr>
+          <a:xfrm>
+            <a:off x="565150" y="2160016"/>
+            <a:ext cx="9198761" cy="3601212"/>
+          </a:xfrm>
+        </p:spPr>
+        <p:txBody>
+          <a:bodyPr>
+            <a:normAutofit/>
+          </a:bodyPr>
+          <a:lstStyle/>
+          <a:p>
+            <a:pPr lvl="1"/>
+            <a:endParaRPr lang="en-CA" dirty="0"/>
+          </a:p>
+        </p:txBody>
+      </p:sp>
+      <p:cxnSp>
+        <p:nvCxnSpPr>
+          <p:cNvPr id="49" name="Straight Connector 9">
+            <a:extLst>
+              <a:ext uri="{FF2B5EF4-FFF2-40B4-BE49-F238E27FC236}">
+                <a16:creationId xmlns:a16="http://schemas.microsoft.com/office/drawing/2014/main" id="{F8927D2C-C486-F740-897D-704CD65E9893}"/>
+              </a:ext>
+              <a:ext uri="{C183D7F6-B498-43B3-948B-1728B52AA6E4}">
+                <adec:decorative xmlns:adec="http://schemas.microsoft.com/office/drawing/2017/decorative" val="1"/>
+              </a:ext>
+            </a:extLst>
+          </p:cNvPr>
+          <p:cNvCxnSpPr>
+            <a:cxnSpLocks noGrp="1" noRot="1" noChangeAspect="1" noMove="1" noResize="1" noEditPoints="1" noAdjustHandles="1" noChangeArrowheads="1" noChangeShapeType="1"/>
+          </p:cNvCxnSpPr>
+          <p:nvPr>
+            <p:extLst>
+              <p:ext uri="{386F3935-93C4-4BCD-93E2-E3B085C9AB24}">
+                <p16:designElem xmlns:p16="http://schemas.microsoft.com/office/powerpoint/2015/main" val="1"/>
+              </p:ext>
+            </p:extLst>
+          </p:nvPr>
+        </p:nvCxnSpPr>
+        <p:spPr>
+          <a:xfrm>
+            <a:off x="565150" y="6087110"/>
+            <a:ext cx="9198761" cy="0"/>
+          </a:xfrm>
+          <a:prstGeom prst="line">
+            <a:avLst/>
+          </a:prstGeom>
+          <a:ln w="12700">
+            <a:solidFill>
+              <a:schemeClr val="tx2"/>
+            </a:solidFill>
+          </a:ln>
+        </p:spPr>
+        <p:style>
+          <a:lnRef idx="1">
+            <a:schemeClr val="accent1"/>
+          </a:lnRef>
+          <a:fillRef idx="0">
+            <a:schemeClr val="accent1"/>
+          </a:fillRef>
+          <a:effectRef idx="0">
+            <a:schemeClr val="accent1"/>
+          </a:effectRef>
+          <a:fontRef idx="minor">
+            <a:schemeClr val="tx1"/>
+          </a:fontRef>
+        </p:style>
+      </p:cxnSp>
+      <p:grpSp>
+        <p:nvGrpSpPr>
+          <p:cNvPr id="50" name="Group 11">
+            <a:extLst>
+              <a:ext uri="{FF2B5EF4-FFF2-40B4-BE49-F238E27FC236}">
+                <a16:creationId xmlns:a16="http://schemas.microsoft.com/office/drawing/2014/main" id="{E9EEDFCB-2A3D-724C-808B-F598214AFD09}"/>
+              </a:ext>
+              <a:ext uri="{C183D7F6-B498-43B3-948B-1728B52AA6E4}">
+                <adec:decorative xmlns:adec="http://schemas.microsoft.com/office/drawing/2017/decorative" val="1"/>
+              </a:ext>
+            </a:extLst>
+          </p:cNvPr>
+          <p:cNvGrpSpPr>
+            <a:grpSpLocks noGrp="1" noUngrp="1" noRot="1" noChangeAspect="1" noMove="1" noResize="1"/>
+          </p:cNvGrpSpPr>
+          <p:nvPr>
+            <p:extLst>
+              <p:ext uri="{386F3935-93C4-4BCD-93E2-E3B085C9AB24}">
+                <p16:designElem xmlns:p16="http://schemas.microsoft.com/office/powerpoint/2015/main" val="1"/>
+              </p:ext>
+            </p:extLst>
+          </p:nvPr>
+        </p:nvGrpSpPr>
+        <p:grpSpPr>
+          <a:xfrm>
+            <a:off x="10291746" y="0"/>
+            <a:ext cx="1900254" cy="6858000"/>
+            <a:chOff x="10291746" y="0"/>
+            <a:chExt cx="1900254" cy="6858000"/>
+          </a:xfrm>
+        </p:grpSpPr>
+        <p:sp>
+          <p:nvSpPr>
+            <p:cNvPr id="51" name="Freeform 24">
+              <a:extLst>
+                <a:ext uri="{FF2B5EF4-FFF2-40B4-BE49-F238E27FC236}">
+                  <a16:creationId xmlns:a16="http://schemas.microsoft.com/office/drawing/2014/main" id="{E21EA309-B774-174A-8761-21F785ADEC01}"/>
+                </a:ext>
+                <a:ext uri="{C183D7F6-B498-43B3-948B-1728B52AA6E4}">
+                  <adec:decorative xmlns:adec="http://schemas.microsoft.com/office/drawing/2017/decorative" val="1"/>
+                </a:ext>
+              </a:extLst>
+            </p:cNvPr>
+            <p:cNvSpPr/>
+            <p:nvPr>
+              <p:extLst>
+                <p:ext uri="{386F3935-93C4-4BCD-93E2-E3B085C9AB24}">
+                  <p16:designElem xmlns:p16="http://schemas.microsoft.com/office/powerpoint/2015/main" val="1"/>
+                </p:ext>
+              </p:extLst>
+            </p:nvPr>
+          </p:nvSpPr>
+          <p:spPr>
+            <a:xfrm>
+              <a:off x="11655829" y="809310"/>
+              <a:ext cx="536171" cy="1124839"/>
+            </a:xfrm>
+            <a:custGeom>
+              <a:avLst/>
+              <a:gdLst>
+                <a:gd name="connsiteX0" fmla="*/ 536171 w 536171"/>
+                <a:gd name="connsiteY0" fmla="*/ 0 h 1124839"/>
+                <a:gd name="connsiteX1" fmla="*/ 536171 w 536171"/>
+                <a:gd name="connsiteY1" fmla="*/ 1124839 h 1124839"/>
+                <a:gd name="connsiteX2" fmla="*/ 451423 w 536171"/>
+                <a:gd name="connsiteY2" fmla="*/ 1116295 h 1124839"/>
+                <a:gd name="connsiteX3" fmla="*/ 0 w 536171"/>
+                <a:gd name="connsiteY3" fmla="*/ 562419 h 1124839"/>
+                <a:gd name="connsiteX4" fmla="*/ 451423 w 536171"/>
+                <a:gd name="connsiteY4" fmla="*/ 8543 h 1124839"/>
+              </a:gdLst>
+              <a:ahLst/>
+              <a:cxnLst>
+                <a:cxn ang="0">
+                  <a:pos x="connsiteX0" y="connsiteY0"/>
+                </a:cxn>
+                <a:cxn ang="0">
+                  <a:pos x="connsiteX1" y="connsiteY1"/>
+                </a:cxn>
+                <a:cxn ang="0">
+                  <a:pos x="connsiteX2" y="connsiteY2"/>
+                </a:cxn>
+                <a:cxn ang="0">
+                  <a:pos x="connsiteX3" y="connsiteY3"/>
+                </a:cxn>
+                <a:cxn ang="0">
+                  <a:pos x="connsiteX4" y="connsiteY4"/>
+                </a:cxn>
+              </a:cxnLst>
+              <a:rect l="l" t="t" r="r" b="b"/>
+              <a:pathLst>
+                <a:path w="536171" h="1124839">
+                  <a:moveTo>
+                    <a:pt x="536171" y="0"/>
+                  </a:moveTo>
+                  <a:lnTo>
+                    <a:pt x="536171" y="1124839"/>
+                  </a:lnTo>
+                  <a:lnTo>
+                    <a:pt x="451423" y="1116295"/>
+                  </a:lnTo>
+                  <a:cubicBezTo>
+                    <a:pt x="193797" y="1063577"/>
+                    <a:pt x="0" y="835630"/>
+                    <a:pt x="0" y="562419"/>
+                  </a:cubicBezTo>
+                  <a:cubicBezTo>
+                    <a:pt x="0" y="289208"/>
+                    <a:pt x="193797" y="61261"/>
+                    <a:pt x="451423" y="8543"/>
+                  </a:cubicBezTo>
+                  <a:close/>
+                </a:path>
+              </a:pathLst>
+            </a:custGeom>
+            <a:solidFill>
+              <a:schemeClr val="accent1"/>
+            </a:solidFill>
+            <a:ln>
+              <a:noFill/>
+            </a:ln>
+          </p:spPr>
+          <p:style>
+            <a:lnRef idx="2">
+              <a:schemeClr val="accent1">
+                <a:shade val="50000"/>
+              </a:schemeClr>
+            </a:lnRef>
+            <a:fillRef idx="1">
+              <a:schemeClr val="accent1"/>
+            </a:fillRef>
+            <a:effectRef idx="0">
+              <a:schemeClr val="accent1"/>
+            </a:effectRef>
+            <a:fontRef idx="minor">
+              <a:schemeClr val="lt1"/>
+            </a:fontRef>
+          </p:style>
+          <p:txBody>
+            <a:bodyPr wrap="square" rtlCol="0" anchor="ctr">
+              <a:noAutofit/>
+            </a:bodyPr>
+            <a:lstStyle/>
+            <a:p>
+              <a:pPr algn="ctr"/>
+              <a:endParaRPr lang="en-US"/>
+            </a:p>
+          </p:txBody>
+        </p:sp>
+        <p:sp>
+          <p:nvSpPr>
+            <p:cNvPr id="52" name="Freeform 25">
+              <a:extLst>
+                <a:ext uri="{FF2B5EF4-FFF2-40B4-BE49-F238E27FC236}">
+                  <a16:creationId xmlns:a16="http://schemas.microsoft.com/office/drawing/2014/main" id="{BAFC7591-C9A8-C74C-AC5D-4D68233A0781}"/>
+                </a:ext>
+                <a:ext uri="{C183D7F6-B498-43B3-948B-1728B52AA6E4}">
+                  <adec:decorative xmlns:adec="http://schemas.microsoft.com/office/drawing/2017/decorative" val="1"/>
+                </a:ext>
+              </a:extLst>
+            </p:cNvPr>
+            <p:cNvSpPr/>
+            <p:nvPr>
+              <p:extLst>
+                <p:ext uri="{386F3935-93C4-4BCD-93E2-E3B085C9AB24}">
+                  <p16:designElem xmlns:p16="http://schemas.microsoft.com/office/powerpoint/2015/main" val="1"/>
+                </p:ext>
+              </p:extLst>
+            </p:nvPr>
+          </p:nvSpPr>
+          <p:spPr>
+            <a:xfrm>
+              <a:off x="10291748" y="0"/>
+              <a:ext cx="1130725" cy="565362"/>
+            </a:xfrm>
+            <a:custGeom>
+              <a:avLst/>
+              <a:gdLst>
+                <a:gd name="connsiteX0" fmla="*/ 0 w 1130725"/>
+                <a:gd name="connsiteY0" fmla="*/ 0 h 565362"/>
+                <a:gd name="connsiteX1" fmla="*/ 25420 w 1130725"/>
+                <a:gd name="connsiteY1" fmla="*/ 0 h 565362"/>
+                <a:gd name="connsiteX2" fmla="*/ 36369 w 1130725"/>
+                <a:gd name="connsiteY2" fmla="*/ 108609 h 565362"/>
+                <a:gd name="connsiteX3" fmla="*/ 565363 w 1130725"/>
+                <a:gd name="connsiteY3" fmla="*/ 539750 h 565362"/>
+                <a:gd name="connsiteX4" fmla="*/ 1094356 w 1130725"/>
+                <a:gd name="connsiteY4" fmla="*/ 108609 h 565362"/>
+                <a:gd name="connsiteX5" fmla="*/ 1105305 w 1130725"/>
+                <a:gd name="connsiteY5" fmla="*/ 0 h 565362"/>
+                <a:gd name="connsiteX6" fmla="*/ 1130725 w 1130725"/>
+                <a:gd name="connsiteY6" fmla="*/ 0 h 565362"/>
+                <a:gd name="connsiteX7" fmla="*/ 565363 w 1130725"/>
+                <a:gd name="connsiteY7" fmla="*/ 565362 h 565362"/>
+                <a:gd name="connsiteX8" fmla="*/ 0 w 1130725"/>
+                <a:gd name="connsiteY8" fmla="*/ 0 h 565362"/>
+              </a:gdLst>
+              <a:ahLst/>
+              <a:cxnLst>
+                <a:cxn ang="0">
+                  <a:pos x="connsiteX0" y="connsiteY0"/>
+                </a:cxn>
+                <a:cxn ang="0">
+                  <a:pos x="connsiteX1" y="connsiteY1"/>
+                </a:cxn>
+                <a:cxn ang="0">
+                  <a:pos x="connsiteX2" y="connsiteY2"/>
+                </a:cxn>
+                <a:cxn ang="0">
+                  <a:pos x="connsiteX3" y="connsiteY3"/>
+                </a:cxn>
+                <a:cxn ang="0">
+                  <a:pos x="connsiteX4" y="connsiteY4"/>
+                </a:cxn>
+                <a:cxn ang="0">
+                  <a:pos x="connsiteX5" y="connsiteY5"/>
+                </a:cxn>
+                <a:cxn ang="0">
+                  <a:pos x="connsiteX6" y="connsiteY6"/>
+                </a:cxn>
+                <a:cxn ang="0">
+                  <a:pos x="connsiteX7" y="connsiteY7"/>
+                </a:cxn>
+                <a:cxn ang="0">
+                  <a:pos x="connsiteX8" y="connsiteY8"/>
+                </a:cxn>
+              </a:cxnLst>
+              <a:rect l="l" t="t" r="r" b="b"/>
+              <a:pathLst>
+                <a:path w="1130725" h="565362">
+                  <a:moveTo>
+                    <a:pt x="0" y="0"/>
+                  </a:moveTo>
+                  <a:lnTo>
+                    <a:pt x="25420" y="0"/>
+                  </a:lnTo>
+                  <a:lnTo>
+                    <a:pt x="36369" y="108609"/>
+                  </a:lnTo>
+                  <a:cubicBezTo>
+                    <a:pt x="86718" y="354660"/>
+                    <a:pt x="304425" y="539750"/>
+                    <a:pt x="565363" y="539750"/>
+                  </a:cubicBezTo>
+                  <a:cubicBezTo>
+                    <a:pt x="826300" y="539750"/>
+                    <a:pt x="1044007" y="354660"/>
+                    <a:pt x="1094356" y="108609"/>
+                  </a:cubicBezTo>
+                  <a:lnTo>
+                    <a:pt x="1105305" y="0"/>
+                  </a:lnTo>
+                  <a:lnTo>
+                    <a:pt x="1130725" y="0"/>
+                  </a:lnTo>
+                  <a:cubicBezTo>
+                    <a:pt x="1130725" y="312241"/>
+                    <a:pt x="877604" y="565362"/>
+                    <a:pt x="565363" y="565362"/>
+                  </a:cubicBezTo>
+                  <a:cubicBezTo>
+                    <a:pt x="253121" y="565362"/>
+                    <a:pt x="0" y="312241"/>
+                    <a:pt x="0" y="0"/>
+                  </a:cubicBezTo>
+                  <a:close/>
+                </a:path>
+              </a:pathLst>
+            </a:custGeom>
+            <a:solidFill>
+              <a:schemeClr val="accent1"/>
+            </a:solidFill>
+            <a:ln>
+              <a:noFill/>
+            </a:ln>
+          </p:spPr>
+          <p:style>
+            <a:lnRef idx="2">
+              <a:schemeClr val="accent1">
+                <a:shade val="50000"/>
+              </a:schemeClr>
+            </a:lnRef>
+            <a:fillRef idx="1">
+              <a:schemeClr val="accent1"/>
+            </a:fillRef>
+            <a:effectRef idx="0">
+              <a:schemeClr val="accent1"/>
+            </a:effectRef>
+            <a:fontRef idx="minor">
+              <a:schemeClr val="lt1"/>
+            </a:fontRef>
+          </p:style>
+          <p:txBody>
+            <a:bodyPr wrap="square" rtlCol="0" anchor="ctr">
+              <a:noAutofit/>
+            </a:bodyPr>
+            <a:lstStyle/>
+            <a:p>
+              <a:pPr algn="ctr"/>
+              <a:endParaRPr lang="en-US"/>
+            </a:p>
+          </p:txBody>
+        </p:sp>
+        <p:sp>
+          <p:nvSpPr>
+            <p:cNvPr id="53" name="Freeform 26">
+              <a:extLst>
+                <a:ext uri="{FF2B5EF4-FFF2-40B4-BE49-F238E27FC236}">
+                  <a16:creationId xmlns:a16="http://schemas.microsoft.com/office/drawing/2014/main" id="{EF809621-1BDA-164A-AF8F-B4387D7F59CC}"/>
+                </a:ext>
+                <a:ext uri="{C183D7F6-B498-43B3-948B-1728B52AA6E4}">
+                  <adec:decorative xmlns:adec="http://schemas.microsoft.com/office/drawing/2017/decorative" val="1"/>
+                </a:ext>
+              </a:extLst>
+            </p:cNvPr>
+            <p:cNvSpPr/>
+            <p:nvPr>
+              <p:extLst>
+                <p:ext uri="{386F3935-93C4-4BCD-93E2-E3B085C9AB24}">
+                  <p16:designElem xmlns:p16="http://schemas.microsoft.com/office/powerpoint/2015/main" val="1"/>
+                </p:ext>
+              </p:extLst>
+            </p:nvPr>
+          </p:nvSpPr>
+          <p:spPr>
+            <a:xfrm>
+              <a:off x="11656578" y="0"/>
+              <a:ext cx="535422" cy="562344"/>
+            </a:xfrm>
+            <a:custGeom>
+              <a:avLst/>
+              <a:gdLst>
+                <a:gd name="connsiteX0" fmla="*/ 0 w 535422"/>
+                <a:gd name="connsiteY0" fmla="*/ 0 h 562344"/>
+                <a:gd name="connsiteX1" fmla="*/ 25421 w 535422"/>
+                <a:gd name="connsiteY1" fmla="*/ 0 h 562344"/>
+                <a:gd name="connsiteX2" fmla="*/ 36370 w 535422"/>
+                <a:gd name="connsiteY2" fmla="*/ 108609 h 562344"/>
+                <a:gd name="connsiteX3" fmla="*/ 469781 w 535422"/>
+                <a:gd name="connsiteY3" fmla="*/ 531316 h 562344"/>
+                <a:gd name="connsiteX4" fmla="*/ 535422 w 535422"/>
+                <a:gd name="connsiteY4" fmla="*/ 537108 h 562344"/>
+                <a:gd name="connsiteX5" fmla="*/ 535422 w 535422"/>
+                <a:gd name="connsiteY5" fmla="*/ 562344 h 562344"/>
+                <a:gd name="connsiteX6" fmla="*/ 451424 w 535422"/>
+                <a:gd name="connsiteY6" fmla="*/ 553876 h 562344"/>
+                <a:gd name="connsiteX7" fmla="*/ 0 w 535422"/>
+                <a:gd name="connsiteY7" fmla="*/ 0 h 562344"/>
+              </a:gdLst>
+              <a:ahLst/>
+              <a:cxnLst>
+                <a:cxn ang="0">
+                  <a:pos x="connsiteX0" y="connsiteY0"/>
+                </a:cxn>
+                <a:cxn ang="0">
+                  <a:pos x="connsiteX1" y="connsiteY1"/>
+                </a:cxn>
+                <a:cxn ang="0">
+                  <a:pos x="connsiteX2" y="connsiteY2"/>
+                </a:cxn>
+                <a:cxn ang="0">
+                  <a:pos x="connsiteX3" y="connsiteY3"/>
+                </a:cxn>
+                <a:cxn ang="0">
+                  <a:pos x="connsiteX4" y="connsiteY4"/>
+                </a:cxn>
+                <a:cxn ang="0">
+                  <a:pos x="connsiteX5" y="connsiteY5"/>
+                </a:cxn>
+                <a:cxn ang="0">
+                  <a:pos x="connsiteX6" y="connsiteY6"/>
+                </a:cxn>
+                <a:cxn ang="0">
+                  <a:pos x="connsiteX7" y="connsiteY7"/>
+                </a:cxn>
+              </a:cxnLst>
+              <a:rect l="l" t="t" r="r" b="b"/>
+              <a:pathLst>
+                <a:path w="535422" h="562344">
+                  <a:moveTo>
+                    <a:pt x="0" y="0"/>
+                  </a:moveTo>
+                  <a:lnTo>
+                    <a:pt x="25421" y="0"/>
+                  </a:lnTo>
+                  <a:lnTo>
+                    <a:pt x="36370" y="108609"/>
+                  </a:lnTo>
+                  <a:cubicBezTo>
+                    <a:pt x="80425" y="323904"/>
+                    <a:pt x="252614" y="492525"/>
+                    <a:pt x="469781" y="531316"/>
+                  </a:cubicBezTo>
+                  <a:lnTo>
+                    <a:pt x="535422" y="537108"/>
+                  </a:lnTo>
+                  <a:lnTo>
+                    <a:pt x="535422" y="562344"/>
+                  </a:lnTo>
+                  <a:lnTo>
+                    <a:pt x="451424" y="553876"/>
+                  </a:lnTo>
+                  <a:cubicBezTo>
+                    <a:pt x="193797" y="501158"/>
+                    <a:pt x="0" y="273211"/>
+                    <a:pt x="0" y="0"/>
+                  </a:cubicBezTo>
+                  <a:close/>
+                </a:path>
+              </a:pathLst>
+            </a:custGeom>
+            <a:solidFill>
+              <a:schemeClr val="accent1"/>
+            </a:solidFill>
+            <a:ln>
+              <a:noFill/>
+            </a:ln>
+          </p:spPr>
+          <p:style>
+            <a:lnRef idx="2">
+              <a:schemeClr val="accent1">
+                <a:shade val="50000"/>
+              </a:schemeClr>
+            </a:lnRef>
+            <a:fillRef idx="1">
+              <a:schemeClr val="accent1"/>
+            </a:fillRef>
+            <a:effectRef idx="0">
+              <a:schemeClr val="accent1"/>
+            </a:effectRef>
+            <a:fontRef idx="minor">
+              <a:schemeClr val="lt1"/>
+            </a:fontRef>
+          </p:style>
+          <p:txBody>
+            <a:bodyPr wrap="square" rtlCol="0" anchor="ctr">
+              <a:noAutofit/>
+            </a:bodyPr>
+            <a:lstStyle/>
+            <a:p>
+              <a:pPr algn="ctr"/>
+              <a:endParaRPr lang="en-US"/>
+            </a:p>
+          </p:txBody>
+        </p:sp>
+        <p:sp>
+          <p:nvSpPr>
+            <p:cNvPr id="54" name="Freeform 27">
+              <a:extLst>
+                <a:ext uri="{FF2B5EF4-FFF2-40B4-BE49-F238E27FC236}">
+                  <a16:creationId xmlns:a16="http://schemas.microsoft.com/office/drawing/2014/main" id="{1BB770FA-A215-4145-99DD-A80F35222328}"/>
+                </a:ext>
+                <a:ext uri="{C183D7F6-B498-43B3-948B-1728B52AA6E4}">
+                  <adec:decorative xmlns:adec="http://schemas.microsoft.com/office/drawing/2017/decorative" val="1"/>
+                </a:ext>
+              </a:extLst>
+            </p:cNvPr>
+            <p:cNvSpPr/>
+            <p:nvPr>
+              <p:extLst>
+                <p:ext uri="{386F3935-93C4-4BCD-93E2-E3B085C9AB24}">
+                  <p16:designElem xmlns:p16="http://schemas.microsoft.com/office/powerpoint/2015/main" val="1"/>
+                </p:ext>
+              </p:extLst>
+            </p:nvPr>
+          </p:nvSpPr>
+          <p:spPr>
+            <a:xfrm>
+              <a:off x="11656578" y="2181112"/>
+              <a:ext cx="535422" cy="1124687"/>
+            </a:xfrm>
+            <a:custGeom>
+              <a:avLst/>
+              <a:gdLst>
+                <a:gd name="connsiteX0" fmla="*/ 535422 w 535422"/>
+                <a:gd name="connsiteY0" fmla="*/ 0 h 1124687"/>
+                <a:gd name="connsiteX1" fmla="*/ 535422 w 535422"/>
+                <a:gd name="connsiteY1" fmla="*/ 25186 h 1124687"/>
+                <a:gd name="connsiteX2" fmla="*/ 456541 w 535422"/>
+                <a:gd name="connsiteY2" fmla="*/ 33138 h 1124687"/>
+                <a:gd name="connsiteX3" fmla="*/ 25399 w 535422"/>
+                <a:gd name="connsiteY3" fmla="*/ 562130 h 1124687"/>
+                <a:gd name="connsiteX4" fmla="*/ 456541 w 535422"/>
+                <a:gd name="connsiteY4" fmla="*/ 1091123 h 1124687"/>
+                <a:gd name="connsiteX5" fmla="*/ 535422 w 535422"/>
+                <a:gd name="connsiteY5" fmla="*/ 1099075 h 1124687"/>
+                <a:gd name="connsiteX6" fmla="*/ 535422 w 535422"/>
+                <a:gd name="connsiteY6" fmla="*/ 1124687 h 1124687"/>
+                <a:gd name="connsiteX7" fmla="*/ 451423 w 535422"/>
+                <a:gd name="connsiteY7" fmla="*/ 1116219 h 1124687"/>
+                <a:gd name="connsiteX8" fmla="*/ 0 w 535422"/>
+                <a:gd name="connsiteY8" fmla="*/ 562343 h 1124687"/>
+                <a:gd name="connsiteX9" fmla="*/ 451423 w 535422"/>
+                <a:gd name="connsiteY9" fmla="*/ 8468 h 1124687"/>
+              </a:gdLst>
+              <a:ahLst/>
+              <a:cxnLst>
+                <a:cxn ang="0">
+                  <a:pos x="connsiteX0" y="connsiteY0"/>
+                </a:cxn>
+                <a:cxn ang="0">
+                  <a:pos x="connsiteX1" y="connsiteY1"/>
+                </a:cxn>
+                <a:cxn ang="0">
+                  <a:pos x="connsiteX2" y="connsiteY2"/>
+                </a:cxn>
+                <a:cxn ang="0">
+                  <a:pos x="connsiteX3" y="connsiteY3"/>
+                </a:cxn>
+                <a:cxn ang="0">
+                  <a:pos x="connsiteX4" y="connsiteY4"/>
+                </a:cxn>
+                <a:cxn ang="0">
+                  <a:pos x="connsiteX5" y="connsiteY5"/>
+                </a:cxn>
+                <a:cxn ang="0">
+                  <a:pos x="connsiteX6" y="connsiteY6"/>
+                </a:cxn>
+                <a:cxn ang="0">
+                  <a:pos x="connsiteX7" y="connsiteY7"/>
+                </a:cxn>
+                <a:cxn ang="0">
+                  <a:pos x="connsiteX8" y="connsiteY8"/>
+                </a:cxn>
+                <a:cxn ang="0">
+                  <a:pos x="connsiteX9" y="connsiteY9"/>
+                </a:cxn>
+              </a:cxnLst>
+              <a:rect l="l" t="t" r="r" b="b"/>
+              <a:pathLst>
+                <a:path w="535422" h="1124687">
+                  <a:moveTo>
+                    <a:pt x="535422" y="0"/>
+                  </a:moveTo>
+                  <a:lnTo>
+                    <a:pt x="535422" y="25186"/>
+                  </a:lnTo>
+                  <a:lnTo>
+                    <a:pt x="456541" y="33138"/>
+                  </a:lnTo>
+                  <a:cubicBezTo>
+                    <a:pt x="210489" y="83487"/>
+                    <a:pt x="25399" y="301194"/>
+                    <a:pt x="25399" y="562130"/>
+                  </a:cubicBezTo>
+                  <a:cubicBezTo>
+                    <a:pt x="25399" y="823067"/>
+                    <a:pt x="210489" y="1040774"/>
+                    <a:pt x="456541" y="1091123"/>
+                  </a:cubicBezTo>
+                  <a:lnTo>
+                    <a:pt x="535422" y="1099075"/>
+                  </a:lnTo>
+                  <a:lnTo>
+                    <a:pt x="535422" y="1124687"/>
+                  </a:lnTo>
+                  <a:lnTo>
+                    <a:pt x="451423" y="1116219"/>
+                  </a:lnTo>
+                  <a:cubicBezTo>
+                    <a:pt x="193797" y="1063501"/>
+                    <a:pt x="0" y="835554"/>
+                    <a:pt x="0" y="562343"/>
+                  </a:cubicBezTo>
+                  <a:cubicBezTo>
+                    <a:pt x="0" y="289132"/>
+                    <a:pt x="193797" y="61185"/>
+                    <a:pt x="451423" y="8468"/>
+                  </a:cubicBezTo>
+                  <a:close/>
+                </a:path>
+              </a:pathLst>
+            </a:custGeom>
+            <a:solidFill>
+              <a:schemeClr val="accent1"/>
+            </a:solidFill>
+            <a:ln>
+              <a:noFill/>
+            </a:ln>
+          </p:spPr>
+          <p:style>
+            <a:lnRef idx="2">
+              <a:schemeClr val="accent1">
+                <a:shade val="50000"/>
+              </a:schemeClr>
+            </a:lnRef>
+            <a:fillRef idx="1">
+              <a:schemeClr val="accent1"/>
+            </a:fillRef>
+            <a:effectRef idx="0">
+              <a:schemeClr val="accent1"/>
+            </a:effectRef>
+            <a:fontRef idx="minor">
+              <a:schemeClr val="lt1"/>
+            </a:fontRef>
+          </p:style>
+          <p:txBody>
+            <a:bodyPr wrap="square" rtlCol="0" anchor="ctr">
+              <a:noAutofit/>
+            </a:bodyPr>
+            <a:lstStyle/>
+            <a:p>
+              <a:pPr algn="ctr"/>
+              <a:endParaRPr lang="en-US"/>
+            </a:p>
+          </p:txBody>
+        </p:sp>
+        <p:sp>
+          <p:nvSpPr>
+            <p:cNvPr id="17" name="Freeform 28">
+              <a:extLst>
+                <a:ext uri="{FF2B5EF4-FFF2-40B4-BE49-F238E27FC236}">
+                  <a16:creationId xmlns:a16="http://schemas.microsoft.com/office/drawing/2014/main" id="{B1AC917F-33CC-BD41-BD3D-389CDADA5891}"/>
+                </a:ext>
+                <a:ext uri="{C183D7F6-B498-43B3-948B-1728B52AA6E4}">
+                  <adec:decorative xmlns:adec="http://schemas.microsoft.com/office/drawing/2017/decorative" val="1"/>
+                </a:ext>
+              </a:extLst>
+            </p:cNvPr>
+            <p:cNvSpPr/>
+            <p:nvPr>
+              <p:extLst>
+                <p:ext uri="{386F3935-93C4-4BCD-93E2-E3B085C9AB24}">
+                  <p16:designElem xmlns:p16="http://schemas.microsoft.com/office/powerpoint/2015/main" val="1"/>
+                </p:ext>
+              </p:extLst>
+            </p:nvPr>
+          </p:nvSpPr>
+          <p:spPr>
+            <a:xfrm>
+              <a:off x="10291746" y="806365"/>
+              <a:ext cx="1130726" cy="1130724"/>
+            </a:xfrm>
+            <a:custGeom>
+              <a:avLst/>
+              <a:gdLst>
+                <a:gd name="connsiteX0" fmla="*/ 565363 w 1130726"/>
+                <a:gd name="connsiteY0" fmla="*/ 25186 h 1130724"/>
+                <a:gd name="connsiteX1" fmla="*/ 25399 w 1130726"/>
+                <a:gd name="connsiteY1" fmla="*/ 565149 h 1130724"/>
+                <a:gd name="connsiteX2" fmla="*/ 565363 w 1130726"/>
+                <a:gd name="connsiteY2" fmla="*/ 1105112 h 1130724"/>
+                <a:gd name="connsiteX3" fmla="*/ 1105327 w 1130726"/>
+                <a:gd name="connsiteY3" fmla="*/ 565149 h 1130724"/>
+                <a:gd name="connsiteX4" fmla="*/ 565363 w 1130726"/>
+                <a:gd name="connsiteY4" fmla="*/ 25186 h 1130724"/>
+                <a:gd name="connsiteX5" fmla="*/ 565363 w 1130726"/>
+                <a:gd name="connsiteY5" fmla="*/ 0 h 1130724"/>
+                <a:gd name="connsiteX6" fmla="*/ 1130726 w 1130726"/>
+                <a:gd name="connsiteY6" fmla="*/ 565362 h 1130724"/>
+                <a:gd name="connsiteX7" fmla="*/ 565363 w 1130726"/>
+                <a:gd name="connsiteY7" fmla="*/ 1130724 h 1130724"/>
+                <a:gd name="connsiteX8" fmla="*/ 0 w 1130726"/>
+                <a:gd name="connsiteY8" fmla="*/ 565362 h 1130724"/>
+                <a:gd name="connsiteX9" fmla="*/ 565363 w 1130726"/>
+                <a:gd name="connsiteY9" fmla="*/ 0 h 1130724"/>
+              </a:gdLst>
+              <a:ahLst/>
+              <a:cxnLst>
+                <a:cxn ang="0">
+                  <a:pos x="connsiteX0" y="connsiteY0"/>
+                </a:cxn>
+                <a:cxn ang="0">
+                  <a:pos x="connsiteX1" y="connsiteY1"/>
+                </a:cxn>
+                <a:cxn ang="0">
+                  <a:pos x="connsiteX2" y="connsiteY2"/>
+                </a:cxn>
+                <a:cxn ang="0">
+                  <a:pos x="connsiteX3" y="connsiteY3"/>
+                </a:cxn>
+                <a:cxn ang="0">
+                  <a:pos x="connsiteX4" y="connsiteY4"/>
+                </a:cxn>
+                <a:cxn ang="0">
+                  <a:pos x="connsiteX5" y="connsiteY5"/>
+                </a:cxn>
+                <a:cxn ang="0">
+                  <a:pos x="connsiteX6" y="connsiteY6"/>
+                </a:cxn>
+                <a:cxn ang="0">
+                  <a:pos x="connsiteX7" y="connsiteY7"/>
+                </a:cxn>
+                <a:cxn ang="0">
+                  <a:pos x="connsiteX8" y="connsiteY8"/>
+                </a:cxn>
+                <a:cxn ang="0">
+                  <a:pos x="connsiteX9" y="connsiteY9"/>
+                </a:cxn>
+              </a:cxnLst>
+              <a:rect l="l" t="t" r="r" b="b"/>
+              <a:pathLst>
+                <a:path w="1130726" h="1130724">
+                  <a:moveTo>
+                    <a:pt x="565363" y="25186"/>
+                  </a:moveTo>
+                  <a:cubicBezTo>
+                    <a:pt x="267149" y="25186"/>
+                    <a:pt x="25399" y="266936"/>
+                    <a:pt x="25399" y="565149"/>
+                  </a:cubicBezTo>
+                  <a:cubicBezTo>
+                    <a:pt x="25399" y="863362"/>
+                    <a:pt x="267149" y="1105112"/>
+                    <a:pt x="565363" y="1105112"/>
+                  </a:cubicBezTo>
+                  <a:cubicBezTo>
+                    <a:pt x="863577" y="1105112"/>
+                    <a:pt x="1105327" y="863362"/>
+                    <a:pt x="1105327" y="565149"/>
+                  </a:cubicBezTo>
+                  <a:cubicBezTo>
+                    <a:pt x="1105327" y="266936"/>
+                    <a:pt x="863577" y="25186"/>
+                    <a:pt x="565363" y="25186"/>
+                  </a:cubicBezTo>
+                  <a:close/>
+                  <a:moveTo>
+                    <a:pt x="565363" y="0"/>
+                  </a:moveTo>
+                  <a:cubicBezTo>
+                    <a:pt x="877604" y="0"/>
+                    <a:pt x="1130726" y="253121"/>
+                    <a:pt x="1130726" y="565362"/>
+                  </a:cubicBezTo>
+                  <a:cubicBezTo>
+                    <a:pt x="1130726" y="877603"/>
+                    <a:pt x="877604" y="1130724"/>
+                    <a:pt x="565363" y="1130724"/>
+                  </a:cubicBezTo>
+                  <a:cubicBezTo>
+                    <a:pt x="253122" y="1130724"/>
+                    <a:pt x="0" y="877603"/>
+                    <a:pt x="0" y="565362"/>
+                  </a:cubicBezTo>
+                  <a:cubicBezTo>
+                    <a:pt x="0" y="253121"/>
+                    <a:pt x="253122" y="0"/>
+                    <a:pt x="565363" y="0"/>
+                  </a:cubicBezTo>
+                  <a:close/>
+                </a:path>
+              </a:pathLst>
+            </a:custGeom>
+            <a:solidFill>
+              <a:schemeClr val="accent1"/>
+            </a:solidFill>
+            <a:ln>
+              <a:noFill/>
+            </a:ln>
+          </p:spPr>
+          <p:style>
+            <a:lnRef idx="2">
+              <a:schemeClr val="accent1">
+                <a:shade val="50000"/>
+              </a:schemeClr>
+            </a:lnRef>
+            <a:fillRef idx="1">
+              <a:schemeClr val="accent1"/>
+            </a:fillRef>
+            <a:effectRef idx="0">
+              <a:schemeClr val="accent1"/>
+            </a:effectRef>
+            <a:fontRef idx="minor">
+              <a:schemeClr val="lt1"/>
+            </a:fontRef>
+          </p:style>
+          <p:txBody>
+            <a:bodyPr wrap="square" rtlCol="0" anchor="ctr">
+              <a:noAutofit/>
+            </a:bodyPr>
+            <a:lstStyle/>
+            <a:p>
+              <a:pPr algn="ctr"/>
+              <a:endParaRPr lang="en-US"/>
+            </a:p>
+          </p:txBody>
+        </p:sp>
+        <p:sp>
+          <p:nvSpPr>
+            <p:cNvPr id="55" name="Freeform 29">
+              <a:extLst>
+                <a:ext uri="{FF2B5EF4-FFF2-40B4-BE49-F238E27FC236}">
+                  <a16:creationId xmlns:a16="http://schemas.microsoft.com/office/drawing/2014/main" id="{219FDC8D-2EFE-F143-88AB-B53BDF84E1DF}"/>
+                </a:ext>
+                <a:ext uri="{C183D7F6-B498-43B3-948B-1728B52AA6E4}">
+                  <adec:decorative xmlns:adec="http://schemas.microsoft.com/office/drawing/2017/decorative" val="1"/>
+                </a:ext>
+              </a:extLst>
+            </p:cNvPr>
+            <p:cNvSpPr/>
+            <p:nvPr>
+              <p:extLst>
+                <p:ext uri="{386F3935-93C4-4BCD-93E2-E3B085C9AB24}">
+                  <p16:designElem xmlns:p16="http://schemas.microsoft.com/office/powerpoint/2015/main" val="1"/>
+                </p:ext>
+              </p:extLst>
+            </p:nvPr>
+          </p:nvSpPr>
+          <p:spPr>
+            <a:xfrm>
+              <a:off x="11656578" y="3552837"/>
+              <a:ext cx="535422" cy="1124688"/>
+            </a:xfrm>
+            <a:custGeom>
+              <a:avLst/>
+              <a:gdLst>
+                <a:gd name="connsiteX0" fmla="*/ 535422 w 535422"/>
+                <a:gd name="connsiteY0" fmla="*/ 0 h 1124688"/>
+                <a:gd name="connsiteX1" fmla="*/ 535422 w 535422"/>
+                <a:gd name="connsiteY1" fmla="*/ 25186 h 1124688"/>
+                <a:gd name="connsiteX2" fmla="*/ 456541 w 535422"/>
+                <a:gd name="connsiteY2" fmla="*/ 33138 h 1124688"/>
+                <a:gd name="connsiteX3" fmla="*/ 25399 w 535422"/>
+                <a:gd name="connsiteY3" fmla="*/ 562131 h 1124688"/>
+                <a:gd name="connsiteX4" fmla="*/ 456541 w 535422"/>
+                <a:gd name="connsiteY4" fmla="*/ 1091124 h 1124688"/>
+                <a:gd name="connsiteX5" fmla="*/ 535422 w 535422"/>
+                <a:gd name="connsiteY5" fmla="*/ 1099076 h 1124688"/>
+                <a:gd name="connsiteX6" fmla="*/ 535422 w 535422"/>
+                <a:gd name="connsiteY6" fmla="*/ 1124688 h 1124688"/>
+                <a:gd name="connsiteX7" fmla="*/ 451423 w 535422"/>
+                <a:gd name="connsiteY7" fmla="*/ 1116220 h 1124688"/>
+                <a:gd name="connsiteX8" fmla="*/ 0 w 535422"/>
+                <a:gd name="connsiteY8" fmla="*/ 562344 h 1124688"/>
+                <a:gd name="connsiteX9" fmla="*/ 451423 w 535422"/>
+                <a:gd name="connsiteY9" fmla="*/ 8468 h 1124688"/>
+              </a:gdLst>
+              <a:ahLst/>
+              <a:cxnLst>
+                <a:cxn ang="0">
+                  <a:pos x="connsiteX0" y="connsiteY0"/>
+                </a:cxn>
+                <a:cxn ang="0">
+                  <a:pos x="connsiteX1" y="connsiteY1"/>
+                </a:cxn>
+                <a:cxn ang="0">
+                  <a:pos x="connsiteX2" y="connsiteY2"/>
+                </a:cxn>
+                <a:cxn ang="0">
+                  <a:pos x="connsiteX3" y="connsiteY3"/>
+                </a:cxn>
+                <a:cxn ang="0">
+                  <a:pos x="connsiteX4" y="connsiteY4"/>
+                </a:cxn>
+                <a:cxn ang="0">
+                  <a:pos x="connsiteX5" y="connsiteY5"/>
+                </a:cxn>
+                <a:cxn ang="0">
+                  <a:pos x="connsiteX6" y="connsiteY6"/>
+                </a:cxn>
+                <a:cxn ang="0">
+                  <a:pos x="connsiteX7" y="connsiteY7"/>
+                </a:cxn>
+                <a:cxn ang="0">
+                  <a:pos x="connsiteX8" y="connsiteY8"/>
+                </a:cxn>
+                <a:cxn ang="0">
+                  <a:pos x="connsiteX9" y="connsiteY9"/>
+                </a:cxn>
+              </a:cxnLst>
+              <a:rect l="l" t="t" r="r" b="b"/>
+              <a:pathLst>
+                <a:path w="535422" h="1124688">
+                  <a:moveTo>
+                    <a:pt x="535422" y="0"/>
+                  </a:moveTo>
+                  <a:lnTo>
+                    <a:pt x="535422" y="25186"/>
+                  </a:lnTo>
+                  <a:lnTo>
+                    <a:pt x="456541" y="33138"/>
+                  </a:lnTo>
+                  <a:cubicBezTo>
+                    <a:pt x="210489" y="83488"/>
+                    <a:pt x="25399" y="301195"/>
+                    <a:pt x="25399" y="562131"/>
+                  </a:cubicBezTo>
+                  <a:cubicBezTo>
+                    <a:pt x="25399" y="823068"/>
+                    <a:pt x="210489" y="1040775"/>
+                    <a:pt x="456541" y="1091124"/>
+                  </a:cubicBezTo>
+                  <a:lnTo>
+                    <a:pt x="535422" y="1099076"/>
+                  </a:lnTo>
+                  <a:lnTo>
+                    <a:pt x="535422" y="1124688"/>
+                  </a:lnTo>
+                  <a:lnTo>
+                    <a:pt x="451423" y="1116220"/>
+                  </a:lnTo>
+                  <a:cubicBezTo>
+                    <a:pt x="193797" y="1063502"/>
+                    <a:pt x="0" y="835555"/>
+                    <a:pt x="0" y="562344"/>
+                  </a:cubicBezTo>
+                  <a:cubicBezTo>
+                    <a:pt x="0" y="289133"/>
+                    <a:pt x="193797" y="61186"/>
+                    <a:pt x="451423" y="8468"/>
+                  </a:cubicBezTo>
+                  <a:close/>
+                </a:path>
+              </a:pathLst>
+            </a:custGeom>
+            <a:solidFill>
+              <a:schemeClr val="accent1"/>
+            </a:solidFill>
+            <a:ln>
+              <a:noFill/>
+            </a:ln>
+          </p:spPr>
+          <p:style>
+            <a:lnRef idx="2">
+              <a:schemeClr val="accent1">
+                <a:shade val="50000"/>
+              </a:schemeClr>
+            </a:lnRef>
+            <a:fillRef idx="1">
+              <a:schemeClr val="accent1"/>
+            </a:fillRef>
+            <a:effectRef idx="0">
+              <a:schemeClr val="accent1"/>
+            </a:effectRef>
+            <a:fontRef idx="minor">
+              <a:schemeClr val="lt1"/>
+            </a:fontRef>
+          </p:style>
+          <p:txBody>
+            <a:bodyPr wrap="square" rtlCol="0" anchor="ctr">
+              <a:noAutofit/>
+            </a:bodyPr>
+            <a:lstStyle/>
+            <a:p>
+              <a:pPr algn="ctr"/>
+              <a:endParaRPr lang="en-US"/>
+            </a:p>
+          </p:txBody>
+        </p:sp>
+        <p:sp>
+          <p:nvSpPr>
+            <p:cNvPr id="19" name="Freeform 30">
+              <a:extLst>
+                <a:ext uri="{FF2B5EF4-FFF2-40B4-BE49-F238E27FC236}">
+                  <a16:creationId xmlns:a16="http://schemas.microsoft.com/office/drawing/2014/main" id="{EB93DBCE-E7A6-BE4D-8D07-3D07913D936C}"/>
+                </a:ext>
+                <a:ext uri="{C183D7F6-B498-43B3-948B-1728B52AA6E4}">
+                  <adec:decorative xmlns:adec="http://schemas.microsoft.com/office/drawing/2017/decorative" val="1"/>
+                </a:ext>
+              </a:extLst>
+            </p:cNvPr>
+            <p:cNvSpPr/>
+            <p:nvPr>
+              <p:extLst>
+                <p:ext uri="{386F3935-93C4-4BCD-93E2-E3B085C9AB24}">
+                  <p16:designElem xmlns:p16="http://schemas.microsoft.com/office/powerpoint/2015/main" val="1"/>
+                </p:ext>
+              </p:extLst>
+            </p:nvPr>
+          </p:nvSpPr>
+          <p:spPr>
+            <a:xfrm>
+              <a:off x="11656642" y="6295916"/>
+              <a:ext cx="535358" cy="562084"/>
+            </a:xfrm>
+            <a:custGeom>
+              <a:avLst/>
+              <a:gdLst>
+                <a:gd name="connsiteX0" fmla="*/ 535358 w 535358"/>
+                <a:gd name="connsiteY0" fmla="*/ 0 h 562084"/>
+                <a:gd name="connsiteX1" fmla="*/ 535358 w 535358"/>
+                <a:gd name="connsiteY1" fmla="*/ 25186 h 562084"/>
+                <a:gd name="connsiteX2" fmla="*/ 469717 w 535358"/>
+                <a:gd name="connsiteY2" fmla="*/ 30978 h 562084"/>
+                <a:gd name="connsiteX3" fmla="*/ 36306 w 535358"/>
+                <a:gd name="connsiteY3" fmla="*/ 453686 h 562084"/>
+                <a:gd name="connsiteX4" fmla="*/ 25378 w 535358"/>
+                <a:gd name="connsiteY4" fmla="*/ 562084 h 562084"/>
+                <a:gd name="connsiteX5" fmla="*/ 0 w 535358"/>
+                <a:gd name="connsiteY5" fmla="*/ 562084 h 562084"/>
+                <a:gd name="connsiteX6" fmla="*/ 11423 w 535358"/>
+                <a:gd name="connsiteY6" fmla="*/ 448780 h 562084"/>
+                <a:gd name="connsiteX7" fmla="*/ 465221 w 535358"/>
+                <a:gd name="connsiteY7" fmla="*/ 6189 h 562084"/>
+              </a:gdLst>
+              <a:ahLst/>
+              <a:cxnLst>
+                <a:cxn ang="0">
+                  <a:pos x="connsiteX0" y="connsiteY0"/>
+                </a:cxn>
+                <a:cxn ang="0">
+                  <a:pos x="connsiteX1" y="connsiteY1"/>
+                </a:cxn>
+                <a:cxn ang="0">
+                  <a:pos x="connsiteX2" y="connsiteY2"/>
+                </a:cxn>
+                <a:cxn ang="0">
+                  <a:pos x="connsiteX3" y="connsiteY3"/>
+                </a:cxn>
+                <a:cxn ang="0">
+                  <a:pos x="connsiteX4" y="connsiteY4"/>
+                </a:cxn>
+                <a:cxn ang="0">
+                  <a:pos x="connsiteX5" y="connsiteY5"/>
+                </a:cxn>
+                <a:cxn ang="0">
+                  <a:pos x="connsiteX6" y="connsiteY6"/>
+                </a:cxn>
+                <a:cxn ang="0">
+                  <a:pos x="connsiteX7" y="connsiteY7"/>
+                </a:cxn>
+              </a:cxnLst>
+              <a:rect l="l" t="t" r="r" b="b"/>
+              <a:pathLst>
+                <a:path w="535358" h="562084">
+                  <a:moveTo>
+                    <a:pt x="535358" y="0"/>
+                  </a:moveTo>
+                  <a:lnTo>
+                    <a:pt x="535358" y="25186"/>
+                  </a:lnTo>
+                  <a:lnTo>
+                    <a:pt x="469717" y="30978"/>
+                  </a:lnTo>
+                  <a:cubicBezTo>
+                    <a:pt x="252550" y="69769"/>
+                    <a:pt x="80361" y="238391"/>
+                    <a:pt x="36306" y="453686"/>
+                  </a:cubicBezTo>
+                  <a:lnTo>
+                    <a:pt x="25378" y="562084"/>
+                  </a:lnTo>
+                  <a:lnTo>
+                    <a:pt x="0" y="562084"/>
+                  </a:lnTo>
+                  <a:lnTo>
+                    <a:pt x="11423" y="448780"/>
+                  </a:lnTo>
+                  <a:cubicBezTo>
+                    <a:pt x="57551" y="223357"/>
+                    <a:pt x="237840" y="46805"/>
+                    <a:pt x="465221" y="6189"/>
+                  </a:cubicBezTo>
+                  <a:close/>
+                </a:path>
+              </a:pathLst>
+            </a:custGeom>
+            <a:solidFill>
+              <a:schemeClr val="accent1"/>
+            </a:solidFill>
+            <a:ln>
+              <a:noFill/>
+            </a:ln>
+          </p:spPr>
+          <p:style>
+            <a:lnRef idx="2">
+              <a:schemeClr val="accent1">
+                <a:shade val="50000"/>
+              </a:schemeClr>
+            </a:lnRef>
+            <a:fillRef idx="1">
+              <a:schemeClr val="accent1"/>
+            </a:fillRef>
+            <a:effectRef idx="0">
+              <a:schemeClr val="accent1"/>
+            </a:effectRef>
+            <a:fontRef idx="minor">
+              <a:schemeClr val="lt1"/>
+            </a:fontRef>
+          </p:style>
+          <p:txBody>
+            <a:bodyPr wrap="square" rtlCol="0" anchor="ctr">
+              <a:noAutofit/>
+            </a:bodyPr>
+            <a:lstStyle/>
+            <a:p>
+              <a:pPr algn="ctr"/>
+              <a:endParaRPr lang="en-US"/>
+            </a:p>
+          </p:txBody>
+        </p:sp>
+      </p:grpSp>
+    </p:spTree>
+    <p:extLst>
+      <p:ext uri="{BB962C8B-B14F-4D97-AF65-F5344CB8AC3E}">
+        <p14:creationId xmlns:p14="http://schemas.microsoft.com/office/powerpoint/2010/main" val="2670697754"/>
+      </p:ext>
+    </p:extLst>
+  </p:cSld>
+  <p:clrMapOvr>
+    <a:overrideClrMapping bg1="dk1" tx1="lt1" bg2="dk2" tx2="lt2" accent1="accent1" accent2="accent2" accent3="accent3" accent4="accent4" accent5="accent5" accent6="accent6" hlink="hlink" folHlink="folHlink"/>
+  </p:clrMapOvr>
+</p:sld>
+</file>
+
+<file path=ppt/slides/slide5.xml><?xml version="1.0" encoding="utf-8"?>
+<p:sld xmlns:a="http://schemas.openxmlformats.org/drawingml/2006/main" xmlns:r="http://schemas.openxmlformats.org/officeDocument/2006/relationships" xmlns:p="http://schemas.openxmlformats.org/presentationml/2006/main">
+  <p:cSld>
+    <p:bg>
+      <p:bgPr>
+        <a:solidFill>
+          <a:schemeClr val="bg2"/>
+        </a:solidFill>
+        <a:effectLst/>
+      </p:bgPr>
+    </p:bg>
+    <p:spTree>
+      <p:nvGrpSpPr>
+        <p:cNvPr id="1" name=""/>
+        <p:cNvGrpSpPr/>
+        <p:nvPr/>
+      </p:nvGrpSpPr>
+      <p:grpSpPr>
+        <a:xfrm>
+          <a:off x="0" y="0"/>
+          <a:ext cx="0" cy="0"/>
+          <a:chOff x="0" y="0"/>
+          <a:chExt cx="0" cy="0"/>
+        </a:xfrm>
+      </p:grpSpPr>
+      <p:sp useBgFill="1">
+        <p:nvSpPr>
+          <p:cNvPr id="48" name="Rectangle 7">
+            <a:extLst>
+              <a:ext uri="{FF2B5EF4-FFF2-40B4-BE49-F238E27FC236}">
+                <a16:creationId xmlns:a16="http://schemas.microsoft.com/office/drawing/2014/main" id="{4EFE82FE-7465-AE46-88DF-34D347E83B84}"/>
+              </a:ext>
+              <a:ext uri="{C183D7F6-B498-43B3-948B-1728B52AA6E4}">
+                <adec:decorative xmlns:adec="http://schemas.microsoft.com/office/drawing/2017/decorative" val="1"/>
+              </a:ext>
+            </a:extLst>
+          </p:cNvPr>
+          <p:cNvSpPr>
+            <a:spLocks noGrp="1" noRot="1" noChangeAspect="1" noMove="1" noResize="1" noEditPoints="1" noAdjustHandles="1" noChangeArrowheads="1" noChangeShapeType="1" noTextEdit="1"/>
+          </p:cNvSpPr>
+          <p:nvPr>
+            <p:extLst>
+              <p:ext uri="{386F3935-93C4-4BCD-93E2-E3B085C9AB24}">
+                <p16:designElem xmlns:p16="http://schemas.microsoft.com/office/powerpoint/2015/main" val="1"/>
+              </p:ext>
+            </p:extLst>
+          </p:nvPr>
+        </p:nvSpPr>
+        <p:spPr>
+          <a:xfrm>
+            <a:off x="0" y="0"/>
+            <a:ext cx="12192000" cy="6858000"/>
+          </a:xfrm>
+          <a:prstGeom prst="rect">
+            <a:avLst/>
+          </a:prstGeom>
+          <a:ln>
+            <a:noFill/>
+          </a:ln>
+        </p:spPr>
+        <p:style>
+          <a:lnRef idx="2">
+            <a:schemeClr val="accent1">
+              <a:shade val="50000"/>
+            </a:schemeClr>
+          </a:lnRef>
+          <a:fillRef idx="1">
+            <a:schemeClr val="accent1"/>
+          </a:fillRef>
+          <a:effectRef idx="0">
+            <a:schemeClr val="accent1"/>
+          </a:effectRef>
+          <a:fontRef idx="minor">
+            <a:schemeClr val="lt1"/>
+          </a:fontRef>
+        </p:style>
+        <p:txBody>
+          <a:bodyPr rtlCol="0" anchor="ctr"/>
+          <a:lstStyle/>
+          <a:p>
+            <a:pPr algn="ctr"/>
+            <a:endParaRPr lang="en-US"/>
+          </a:p>
+        </p:txBody>
+      </p:sp>
+      <p:sp>
+        <p:nvSpPr>
+          <p:cNvPr id="2" name="Title 1">
+            <a:extLst>
+              <a:ext uri="{FF2B5EF4-FFF2-40B4-BE49-F238E27FC236}">
+                <a16:creationId xmlns:a16="http://schemas.microsoft.com/office/drawing/2014/main" id="{1D310C62-CA2B-1FB2-DC8C-28FA67B78ADE}"/>
+              </a:ext>
+            </a:extLst>
+          </p:cNvPr>
+          <p:cNvSpPr>
+            <a:spLocks noGrp="1"/>
+          </p:cNvSpPr>
+          <p:nvPr>
+            <p:ph type="title"/>
+          </p:nvPr>
+        </p:nvSpPr>
+        <p:spPr>
+          <a:xfrm>
+            <a:off x="565150" y="770890"/>
+            <a:ext cx="9198761" cy="1268984"/>
+          </a:xfrm>
+        </p:spPr>
+        <p:txBody>
+          <a:bodyPr>
+            <a:normAutofit/>
+          </a:bodyPr>
+          <a:lstStyle/>
+          <a:p>
+            <a:r>
+              <a:rPr lang="en-CA" dirty="0"/>
+              <a:t>Main objective</a:t>
+            </a:r>
+          </a:p>
+        </p:txBody>
+      </p:sp>
+      <p:sp>
+        <p:nvSpPr>
+          <p:cNvPr id="3" name="Content Placeholder 2">
+            <a:extLst>
+              <a:ext uri="{FF2B5EF4-FFF2-40B4-BE49-F238E27FC236}">
+                <a16:creationId xmlns:a16="http://schemas.microsoft.com/office/drawing/2014/main" id="{9D91B921-A024-A3BA-FD7E-3A8F13AE8294}"/>
+              </a:ext>
+            </a:extLst>
+          </p:cNvPr>
+          <p:cNvSpPr>
+            <a:spLocks noGrp="1"/>
+          </p:cNvSpPr>
+          <p:nvPr>
+            <p:ph idx="1"/>
+          </p:nvPr>
+        </p:nvSpPr>
+        <p:spPr>
+          <a:xfrm>
+            <a:off x="565150" y="2160016"/>
+            <a:ext cx="9198761" cy="3601212"/>
+          </a:xfrm>
+        </p:spPr>
+        <p:txBody>
+          <a:bodyPr>
+            <a:normAutofit/>
+          </a:bodyPr>
+          <a:lstStyle/>
+          <a:p>
+            <a:r>
+              <a:rPr lang="en-CA" dirty="0"/>
+              <a:t>Provide detailed routes and satellite coverage data:</a:t>
+            </a:r>
+          </a:p>
+          <a:p>
+            <a:pPr lvl="1"/>
+            <a:endParaRPr lang="en-CA" dirty="0"/>
+          </a:p>
+        </p:txBody>
+      </p:sp>
+      <p:cxnSp>
+        <p:nvCxnSpPr>
+          <p:cNvPr id="49" name="Straight Connector 9">
+            <a:extLst>
+              <a:ext uri="{FF2B5EF4-FFF2-40B4-BE49-F238E27FC236}">
+                <a16:creationId xmlns:a16="http://schemas.microsoft.com/office/drawing/2014/main" id="{F8927D2C-C486-F740-897D-704CD65E9893}"/>
+              </a:ext>
+              <a:ext uri="{C183D7F6-B498-43B3-948B-1728B52AA6E4}">
+                <adec:decorative xmlns:adec="http://schemas.microsoft.com/office/drawing/2017/decorative" val="1"/>
+              </a:ext>
+            </a:extLst>
+          </p:cNvPr>
+          <p:cNvCxnSpPr>
+            <a:cxnSpLocks noGrp="1" noRot="1" noChangeAspect="1" noMove="1" noResize="1" noEditPoints="1" noAdjustHandles="1" noChangeArrowheads="1" noChangeShapeType="1"/>
+          </p:cNvCxnSpPr>
+          <p:nvPr>
+            <p:extLst>
+              <p:ext uri="{386F3935-93C4-4BCD-93E2-E3B085C9AB24}">
+                <p16:designElem xmlns:p16="http://schemas.microsoft.com/office/powerpoint/2015/main" val="1"/>
+              </p:ext>
+            </p:extLst>
+          </p:nvPr>
+        </p:nvCxnSpPr>
+        <p:spPr>
+          <a:xfrm>
+            <a:off x="565150" y="6087110"/>
+            <a:ext cx="9198761" cy="0"/>
+          </a:xfrm>
+          <a:prstGeom prst="line">
+            <a:avLst/>
+          </a:prstGeom>
+          <a:ln w="12700">
+            <a:solidFill>
+              <a:schemeClr val="tx2"/>
+            </a:solidFill>
+          </a:ln>
+        </p:spPr>
+        <p:style>
+          <a:lnRef idx="1">
+            <a:schemeClr val="accent1"/>
+          </a:lnRef>
+          <a:fillRef idx="0">
+            <a:schemeClr val="accent1"/>
+          </a:fillRef>
+          <a:effectRef idx="0">
+            <a:schemeClr val="accent1"/>
+          </a:effectRef>
+          <a:fontRef idx="minor">
+            <a:schemeClr val="tx1"/>
+          </a:fontRef>
+        </p:style>
+      </p:cxnSp>
+      <p:grpSp>
+        <p:nvGrpSpPr>
+          <p:cNvPr id="50" name="Group 11">
+            <a:extLst>
+              <a:ext uri="{FF2B5EF4-FFF2-40B4-BE49-F238E27FC236}">
+                <a16:creationId xmlns:a16="http://schemas.microsoft.com/office/drawing/2014/main" id="{E9EEDFCB-2A3D-724C-808B-F598214AFD09}"/>
+              </a:ext>
+              <a:ext uri="{C183D7F6-B498-43B3-948B-1728B52AA6E4}">
+                <adec:decorative xmlns:adec="http://schemas.microsoft.com/office/drawing/2017/decorative" val="1"/>
+              </a:ext>
+            </a:extLst>
+          </p:cNvPr>
+          <p:cNvGrpSpPr>
+            <a:grpSpLocks noGrp="1" noUngrp="1" noRot="1" noChangeAspect="1" noMove="1" noResize="1"/>
+          </p:cNvGrpSpPr>
+          <p:nvPr>
+            <p:extLst>
+              <p:ext uri="{386F3935-93C4-4BCD-93E2-E3B085C9AB24}">
+                <p16:designElem xmlns:p16="http://schemas.microsoft.com/office/powerpoint/2015/main" val="1"/>
+              </p:ext>
+            </p:extLst>
+          </p:nvPr>
+        </p:nvGrpSpPr>
+        <p:grpSpPr>
+          <a:xfrm>
+            <a:off x="10291746" y="0"/>
+            <a:ext cx="1900254" cy="6858000"/>
+            <a:chOff x="10291746" y="0"/>
+            <a:chExt cx="1900254" cy="6858000"/>
+          </a:xfrm>
+        </p:grpSpPr>
+        <p:sp>
+          <p:nvSpPr>
+            <p:cNvPr id="51" name="Freeform 24">
+              <a:extLst>
+                <a:ext uri="{FF2B5EF4-FFF2-40B4-BE49-F238E27FC236}">
+                  <a16:creationId xmlns:a16="http://schemas.microsoft.com/office/drawing/2014/main" id="{E21EA309-B774-174A-8761-21F785ADEC01}"/>
+                </a:ext>
+                <a:ext uri="{C183D7F6-B498-43B3-948B-1728B52AA6E4}">
+                  <adec:decorative xmlns:adec="http://schemas.microsoft.com/office/drawing/2017/decorative" val="1"/>
+                </a:ext>
+              </a:extLst>
+            </p:cNvPr>
+            <p:cNvSpPr/>
+            <p:nvPr>
+              <p:extLst>
+                <p:ext uri="{386F3935-93C4-4BCD-93E2-E3B085C9AB24}">
+                  <p16:designElem xmlns:p16="http://schemas.microsoft.com/office/powerpoint/2015/main" val="1"/>
+                </p:ext>
+              </p:extLst>
+            </p:nvPr>
+          </p:nvSpPr>
+          <p:spPr>
+            <a:xfrm>
+              <a:off x="11655829" y="809310"/>
+              <a:ext cx="536171" cy="1124839"/>
+            </a:xfrm>
+            <a:custGeom>
+              <a:avLst/>
+              <a:gdLst>
+                <a:gd name="connsiteX0" fmla="*/ 536171 w 536171"/>
+                <a:gd name="connsiteY0" fmla="*/ 0 h 1124839"/>
+                <a:gd name="connsiteX1" fmla="*/ 536171 w 536171"/>
+                <a:gd name="connsiteY1" fmla="*/ 1124839 h 1124839"/>
+                <a:gd name="connsiteX2" fmla="*/ 451423 w 536171"/>
+                <a:gd name="connsiteY2" fmla="*/ 1116295 h 1124839"/>
+                <a:gd name="connsiteX3" fmla="*/ 0 w 536171"/>
+                <a:gd name="connsiteY3" fmla="*/ 562419 h 1124839"/>
+                <a:gd name="connsiteX4" fmla="*/ 451423 w 536171"/>
+                <a:gd name="connsiteY4" fmla="*/ 8543 h 1124839"/>
+              </a:gdLst>
+              <a:ahLst/>
+              <a:cxnLst>
+                <a:cxn ang="0">
+                  <a:pos x="connsiteX0" y="connsiteY0"/>
+                </a:cxn>
+                <a:cxn ang="0">
+                  <a:pos x="connsiteX1" y="connsiteY1"/>
+                </a:cxn>
+                <a:cxn ang="0">
+                  <a:pos x="connsiteX2" y="connsiteY2"/>
+                </a:cxn>
+                <a:cxn ang="0">
+                  <a:pos x="connsiteX3" y="connsiteY3"/>
+                </a:cxn>
+                <a:cxn ang="0">
+                  <a:pos x="connsiteX4" y="connsiteY4"/>
+                </a:cxn>
+              </a:cxnLst>
+              <a:rect l="l" t="t" r="r" b="b"/>
+              <a:pathLst>
+                <a:path w="536171" h="1124839">
+                  <a:moveTo>
+                    <a:pt x="536171" y="0"/>
+                  </a:moveTo>
+                  <a:lnTo>
+                    <a:pt x="536171" y="1124839"/>
+                  </a:lnTo>
+                  <a:lnTo>
+                    <a:pt x="451423" y="1116295"/>
+                  </a:lnTo>
+                  <a:cubicBezTo>
+                    <a:pt x="193797" y="1063577"/>
+                    <a:pt x="0" y="835630"/>
+                    <a:pt x="0" y="562419"/>
+                  </a:cubicBezTo>
+                  <a:cubicBezTo>
+                    <a:pt x="0" y="289208"/>
+                    <a:pt x="193797" y="61261"/>
+                    <a:pt x="451423" y="8543"/>
+                  </a:cubicBezTo>
+                  <a:close/>
+                </a:path>
+              </a:pathLst>
+            </a:custGeom>
+            <a:solidFill>
+              <a:schemeClr val="accent1"/>
+            </a:solidFill>
+            <a:ln>
+              <a:noFill/>
+            </a:ln>
+          </p:spPr>
+          <p:style>
+            <a:lnRef idx="2">
+              <a:schemeClr val="accent1">
+                <a:shade val="50000"/>
+              </a:schemeClr>
+            </a:lnRef>
+            <a:fillRef idx="1">
+              <a:schemeClr val="accent1"/>
+            </a:fillRef>
+            <a:effectRef idx="0">
+              <a:schemeClr val="accent1"/>
+            </a:effectRef>
+            <a:fontRef idx="minor">
+              <a:schemeClr val="lt1"/>
+            </a:fontRef>
+          </p:style>
+          <p:txBody>
+            <a:bodyPr wrap="square" rtlCol="0" anchor="ctr">
+              <a:noAutofit/>
+            </a:bodyPr>
+            <a:lstStyle/>
+            <a:p>
+              <a:pPr algn="ctr"/>
+              <a:endParaRPr lang="en-US"/>
+            </a:p>
+          </p:txBody>
+        </p:sp>
+        <p:sp>
+          <p:nvSpPr>
+            <p:cNvPr id="52" name="Freeform 25">
+              <a:extLst>
+                <a:ext uri="{FF2B5EF4-FFF2-40B4-BE49-F238E27FC236}">
+                  <a16:creationId xmlns:a16="http://schemas.microsoft.com/office/drawing/2014/main" id="{BAFC7591-C9A8-C74C-AC5D-4D68233A0781}"/>
+                </a:ext>
+                <a:ext uri="{C183D7F6-B498-43B3-948B-1728B52AA6E4}">
+                  <adec:decorative xmlns:adec="http://schemas.microsoft.com/office/drawing/2017/decorative" val="1"/>
+                </a:ext>
+              </a:extLst>
+            </p:cNvPr>
+            <p:cNvSpPr/>
+            <p:nvPr>
+              <p:extLst>
+                <p:ext uri="{386F3935-93C4-4BCD-93E2-E3B085C9AB24}">
+                  <p16:designElem xmlns:p16="http://schemas.microsoft.com/office/powerpoint/2015/main" val="1"/>
+                </p:ext>
+              </p:extLst>
+            </p:nvPr>
+          </p:nvSpPr>
+          <p:spPr>
+            <a:xfrm>
+              <a:off x="10291748" y="0"/>
+              <a:ext cx="1130725" cy="565362"/>
+            </a:xfrm>
+            <a:custGeom>
+              <a:avLst/>
+              <a:gdLst>
+                <a:gd name="connsiteX0" fmla="*/ 0 w 1130725"/>
+                <a:gd name="connsiteY0" fmla="*/ 0 h 565362"/>
+                <a:gd name="connsiteX1" fmla="*/ 25420 w 1130725"/>
+                <a:gd name="connsiteY1" fmla="*/ 0 h 565362"/>
+                <a:gd name="connsiteX2" fmla="*/ 36369 w 1130725"/>
+                <a:gd name="connsiteY2" fmla="*/ 108609 h 565362"/>
+                <a:gd name="connsiteX3" fmla="*/ 565363 w 1130725"/>
+                <a:gd name="connsiteY3" fmla="*/ 539750 h 565362"/>
+                <a:gd name="connsiteX4" fmla="*/ 1094356 w 1130725"/>
+                <a:gd name="connsiteY4" fmla="*/ 108609 h 565362"/>
+                <a:gd name="connsiteX5" fmla="*/ 1105305 w 1130725"/>
+                <a:gd name="connsiteY5" fmla="*/ 0 h 565362"/>
+                <a:gd name="connsiteX6" fmla="*/ 1130725 w 1130725"/>
+                <a:gd name="connsiteY6" fmla="*/ 0 h 565362"/>
+                <a:gd name="connsiteX7" fmla="*/ 565363 w 1130725"/>
+                <a:gd name="connsiteY7" fmla="*/ 565362 h 565362"/>
+                <a:gd name="connsiteX8" fmla="*/ 0 w 1130725"/>
+                <a:gd name="connsiteY8" fmla="*/ 0 h 565362"/>
+              </a:gdLst>
+              <a:ahLst/>
+              <a:cxnLst>
+                <a:cxn ang="0">
+                  <a:pos x="connsiteX0" y="connsiteY0"/>
+                </a:cxn>
+                <a:cxn ang="0">
+                  <a:pos x="connsiteX1" y="connsiteY1"/>
+                </a:cxn>
+                <a:cxn ang="0">
+                  <a:pos x="connsiteX2" y="connsiteY2"/>
+                </a:cxn>
+                <a:cxn ang="0">
+                  <a:pos x="connsiteX3" y="connsiteY3"/>
+                </a:cxn>
+                <a:cxn ang="0">
+                  <a:pos x="connsiteX4" y="connsiteY4"/>
+                </a:cxn>
+                <a:cxn ang="0">
+                  <a:pos x="connsiteX5" y="connsiteY5"/>
+                </a:cxn>
+                <a:cxn ang="0">
+                  <a:pos x="connsiteX6" y="connsiteY6"/>
+                </a:cxn>
+                <a:cxn ang="0">
+                  <a:pos x="connsiteX7" y="connsiteY7"/>
+                </a:cxn>
+                <a:cxn ang="0">
+                  <a:pos x="connsiteX8" y="connsiteY8"/>
+                </a:cxn>
+              </a:cxnLst>
+              <a:rect l="l" t="t" r="r" b="b"/>
+              <a:pathLst>
+                <a:path w="1130725" h="565362">
+                  <a:moveTo>
+                    <a:pt x="0" y="0"/>
+                  </a:moveTo>
+                  <a:lnTo>
+                    <a:pt x="25420" y="0"/>
+                  </a:lnTo>
+                  <a:lnTo>
+                    <a:pt x="36369" y="108609"/>
+                  </a:lnTo>
+                  <a:cubicBezTo>
+                    <a:pt x="86718" y="354660"/>
+                    <a:pt x="304425" y="539750"/>
+                    <a:pt x="565363" y="539750"/>
+                  </a:cubicBezTo>
+                  <a:cubicBezTo>
+                    <a:pt x="826300" y="539750"/>
+                    <a:pt x="1044007" y="354660"/>
+                    <a:pt x="1094356" y="108609"/>
+                  </a:cubicBezTo>
+                  <a:lnTo>
+                    <a:pt x="1105305" y="0"/>
+                  </a:lnTo>
+                  <a:lnTo>
+                    <a:pt x="1130725" y="0"/>
+                  </a:lnTo>
+                  <a:cubicBezTo>
+                    <a:pt x="1130725" y="312241"/>
+                    <a:pt x="877604" y="565362"/>
+                    <a:pt x="565363" y="565362"/>
+                  </a:cubicBezTo>
+                  <a:cubicBezTo>
+                    <a:pt x="253121" y="565362"/>
+                    <a:pt x="0" y="312241"/>
+                    <a:pt x="0" y="0"/>
+                  </a:cubicBezTo>
+                  <a:close/>
+                </a:path>
+              </a:pathLst>
+            </a:custGeom>
+            <a:solidFill>
+              <a:schemeClr val="accent1"/>
+            </a:solidFill>
+            <a:ln>
+              <a:noFill/>
+            </a:ln>
+          </p:spPr>
+          <p:style>
+            <a:lnRef idx="2">
+              <a:schemeClr val="accent1">
+                <a:shade val="50000"/>
+              </a:schemeClr>
+            </a:lnRef>
+            <a:fillRef idx="1">
+              <a:schemeClr val="accent1"/>
+            </a:fillRef>
+            <a:effectRef idx="0">
+              <a:schemeClr val="accent1"/>
+            </a:effectRef>
+            <a:fontRef idx="minor">
+              <a:schemeClr val="lt1"/>
+            </a:fontRef>
+          </p:style>
+          <p:txBody>
+            <a:bodyPr wrap="square" rtlCol="0" anchor="ctr">
+              <a:noAutofit/>
+            </a:bodyPr>
+            <a:lstStyle/>
+            <a:p>
+              <a:pPr algn="ctr"/>
+              <a:endParaRPr lang="en-US"/>
+            </a:p>
+          </p:txBody>
+        </p:sp>
+        <p:sp>
+          <p:nvSpPr>
+            <p:cNvPr id="53" name="Freeform 26">
+              <a:extLst>
+                <a:ext uri="{FF2B5EF4-FFF2-40B4-BE49-F238E27FC236}">
+                  <a16:creationId xmlns:a16="http://schemas.microsoft.com/office/drawing/2014/main" id="{EF809621-1BDA-164A-AF8F-B4387D7F59CC}"/>
+                </a:ext>
+                <a:ext uri="{C183D7F6-B498-43B3-948B-1728B52AA6E4}">
+                  <adec:decorative xmlns:adec="http://schemas.microsoft.com/office/drawing/2017/decorative" val="1"/>
+                </a:ext>
+              </a:extLst>
+            </p:cNvPr>
+            <p:cNvSpPr/>
+            <p:nvPr>
+              <p:extLst>
+                <p:ext uri="{386F3935-93C4-4BCD-93E2-E3B085C9AB24}">
+                  <p16:designElem xmlns:p16="http://schemas.microsoft.com/office/powerpoint/2015/main" val="1"/>
+                </p:ext>
+              </p:extLst>
+            </p:nvPr>
+          </p:nvSpPr>
+          <p:spPr>
+            <a:xfrm>
+              <a:off x="11656578" y="0"/>
+              <a:ext cx="535422" cy="562344"/>
+            </a:xfrm>
+            <a:custGeom>
+              <a:avLst/>
+              <a:gdLst>
+                <a:gd name="connsiteX0" fmla="*/ 0 w 535422"/>
+                <a:gd name="connsiteY0" fmla="*/ 0 h 562344"/>
+                <a:gd name="connsiteX1" fmla="*/ 25421 w 535422"/>
+                <a:gd name="connsiteY1" fmla="*/ 0 h 562344"/>
+                <a:gd name="connsiteX2" fmla="*/ 36370 w 535422"/>
+                <a:gd name="connsiteY2" fmla="*/ 108609 h 562344"/>
+                <a:gd name="connsiteX3" fmla="*/ 469781 w 535422"/>
+                <a:gd name="connsiteY3" fmla="*/ 531316 h 562344"/>
+                <a:gd name="connsiteX4" fmla="*/ 535422 w 535422"/>
+                <a:gd name="connsiteY4" fmla="*/ 537108 h 562344"/>
+                <a:gd name="connsiteX5" fmla="*/ 535422 w 535422"/>
+                <a:gd name="connsiteY5" fmla="*/ 562344 h 562344"/>
+                <a:gd name="connsiteX6" fmla="*/ 451424 w 535422"/>
+                <a:gd name="connsiteY6" fmla="*/ 553876 h 562344"/>
+                <a:gd name="connsiteX7" fmla="*/ 0 w 535422"/>
+                <a:gd name="connsiteY7" fmla="*/ 0 h 562344"/>
+              </a:gdLst>
+              <a:ahLst/>
+              <a:cxnLst>
+                <a:cxn ang="0">
+                  <a:pos x="connsiteX0" y="connsiteY0"/>
+                </a:cxn>
+                <a:cxn ang="0">
+                  <a:pos x="connsiteX1" y="connsiteY1"/>
+                </a:cxn>
+                <a:cxn ang="0">
+                  <a:pos x="connsiteX2" y="connsiteY2"/>
+                </a:cxn>
+                <a:cxn ang="0">
+                  <a:pos x="connsiteX3" y="connsiteY3"/>
+                </a:cxn>
+                <a:cxn ang="0">
+                  <a:pos x="connsiteX4" y="connsiteY4"/>
+                </a:cxn>
+                <a:cxn ang="0">
+                  <a:pos x="connsiteX5" y="connsiteY5"/>
+                </a:cxn>
+                <a:cxn ang="0">
+                  <a:pos x="connsiteX6" y="connsiteY6"/>
+                </a:cxn>
+                <a:cxn ang="0">
+                  <a:pos x="connsiteX7" y="connsiteY7"/>
+                </a:cxn>
+              </a:cxnLst>
+              <a:rect l="l" t="t" r="r" b="b"/>
+              <a:pathLst>
+                <a:path w="535422" h="562344">
+                  <a:moveTo>
+                    <a:pt x="0" y="0"/>
+                  </a:moveTo>
+                  <a:lnTo>
+                    <a:pt x="25421" y="0"/>
+                  </a:lnTo>
+                  <a:lnTo>
+                    <a:pt x="36370" y="108609"/>
+                  </a:lnTo>
+                  <a:cubicBezTo>
+                    <a:pt x="80425" y="323904"/>
+                    <a:pt x="252614" y="492525"/>
+                    <a:pt x="469781" y="531316"/>
+                  </a:cubicBezTo>
+                  <a:lnTo>
+                    <a:pt x="535422" y="537108"/>
+                  </a:lnTo>
+                  <a:lnTo>
+                    <a:pt x="535422" y="562344"/>
+                  </a:lnTo>
+                  <a:lnTo>
+                    <a:pt x="451424" y="553876"/>
+                  </a:lnTo>
+                  <a:cubicBezTo>
+                    <a:pt x="193797" y="501158"/>
+                    <a:pt x="0" y="273211"/>
+                    <a:pt x="0" y="0"/>
+                  </a:cubicBezTo>
+                  <a:close/>
+                </a:path>
+              </a:pathLst>
+            </a:custGeom>
+            <a:solidFill>
+              <a:schemeClr val="accent1"/>
+            </a:solidFill>
+            <a:ln>
+              <a:noFill/>
+            </a:ln>
+          </p:spPr>
+          <p:style>
+            <a:lnRef idx="2">
+              <a:schemeClr val="accent1">
+                <a:shade val="50000"/>
+              </a:schemeClr>
+            </a:lnRef>
+            <a:fillRef idx="1">
+              <a:schemeClr val="accent1"/>
+            </a:fillRef>
+            <a:effectRef idx="0">
+              <a:schemeClr val="accent1"/>
+            </a:effectRef>
+            <a:fontRef idx="minor">
+              <a:schemeClr val="lt1"/>
+            </a:fontRef>
+          </p:style>
+          <p:txBody>
+            <a:bodyPr wrap="square" rtlCol="0" anchor="ctr">
+              <a:noAutofit/>
+            </a:bodyPr>
+            <a:lstStyle/>
+            <a:p>
+              <a:pPr algn="ctr"/>
+              <a:endParaRPr lang="en-US"/>
+            </a:p>
+          </p:txBody>
+        </p:sp>
+        <p:sp>
+          <p:nvSpPr>
+            <p:cNvPr id="54" name="Freeform 27">
+              <a:extLst>
+                <a:ext uri="{FF2B5EF4-FFF2-40B4-BE49-F238E27FC236}">
+                  <a16:creationId xmlns:a16="http://schemas.microsoft.com/office/drawing/2014/main" id="{1BB770FA-A215-4145-99DD-A80F35222328}"/>
+                </a:ext>
+                <a:ext uri="{C183D7F6-B498-43B3-948B-1728B52AA6E4}">
+                  <adec:decorative xmlns:adec="http://schemas.microsoft.com/office/drawing/2017/decorative" val="1"/>
+                </a:ext>
+              </a:extLst>
+            </p:cNvPr>
+            <p:cNvSpPr/>
+            <p:nvPr>
+              <p:extLst>
+                <p:ext uri="{386F3935-93C4-4BCD-93E2-E3B085C9AB24}">
+                  <p16:designElem xmlns:p16="http://schemas.microsoft.com/office/powerpoint/2015/main" val="1"/>
+                </p:ext>
+              </p:extLst>
+            </p:nvPr>
+          </p:nvSpPr>
+          <p:spPr>
+            <a:xfrm>
+              <a:off x="11656578" y="2181112"/>
+              <a:ext cx="535422" cy="1124687"/>
+            </a:xfrm>
+            <a:custGeom>
+              <a:avLst/>
+              <a:gdLst>
+                <a:gd name="connsiteX0" fmla="*/ 535422 w 535422"/>
+                <a:gd name="connsiteY0" fmla="*/ 0 h 1124687"/>
+                <a:gd name="connsiteX1" fmla="*/ 535422 w 535422"/>
+                <a:gd name="connsiteY1" fmla="*/ 25186 h 1124687"/>
+                <a:gd name="connsiteX2" fmla="*/ 456541 w 535422"/>
+                <a:gd name="connsiteY2" fmla="*/ 33138 h 1124687"/>
+                <a:gd name="connsiteX3" fmla="*/ 25399 w 535422"/>
+                <a:gd name="connsiteY3" fmla="*/ 562130 h 1124687"/>
+                <a:gd name="connsiteX4" fmla="*/ 456541 w 535422"/>
+                <a:gd name="connsiteY4" fmla="*/ 1091123 h 1124687"/>
+                <a:gd name="connsiteX5" fmla="*/ 535422 w 535422"/>
+                <a:gd name="connsiteY5" fmla="*/ 1099075 h 1124687"/>
+                <a:gd name="connsiteX6" fmla="*/ 535422 w 535422"/>
+                <a:gd name="connsiteY6" fmla="*/ 1124687 h 1124687"/>
+                <a:gd name="connsiteX7" fmla="*/ 451423 w 535422"/>
+                <a:gd name="connsiteY7" fmla="*/ 1116219 h 1124687"/>
+                <a:gd name="connsiteX8" fmla="*/ 0 w 535422"/>
+                <a:gd name="connsiteY8" fmla="*/ 562343 h 1124687"/>
+                <a:gd name="connsiteX9" fmla="*/ 451423 w 535422"/>
+                <a:gd name="connsiteY9" fmla="*/ 8468 h 1124687"/>
+              </a:gdLst>
+              <a:ahLst/>
+              <a:cxnLst>
+                <a:cxn ang="0">
+                  <a:pos x="connsiteX0" y="connsiteY0"/>
+                </a:cxn>
+                <a:cxn ang="0">
+                  <a:pos x="connsiteX1" y="connsiteY1"/>
+                </a:cxn>
+                <a:cxn ang="0">
+                  <a:pos x="connsiteX2" y="connsiteY2"/>
+                </a:cxn>
+                <a:cxn ang="0">
+                  <a:pos x="connsiteX3" y="connsiteY3"/>
+                </a:cxn>
+                <a:cxn ang="0">
+                  <a:pos x="connsiteX4" y="connsiteY4"/>
+                </a:cxn>
+                <a:cxn ang="0">
+                  <a:pos x="connsiteX5" y="connsiteY5"/>
+                </a:cxn>
+                <a:cxn ang="0">
+                  <a:pos x="connsiteX6" y="connsiteY6"/>
+                </a:cxn>
+                <a:cxn ang="0">
+                  <a:pos x="connsiteX7" y="connsiteY7"/>
+                </a:cxn>
+                <a:cxn ang="0">
+                  <a:pos x="connsiteX8" y="connsiteY8"/>
+                </a:cxn>
+                <a:cxn ang="0">
+                  <a:pos x="connsiteX9" y="connsiteY9"/>
+                </a:cxn>
+              </a:cxnLst>
+              <a:rect l="l" t="t" r="r" b="b"/>
+              <a:pathLst>
+                <a:path w="535422" h="1124687">
+                  <a:moveTo>
+                    <a:pt x="535422" y="0"/>
+                  </a:moveTo>
+                  <a:lnTo>
+                    <a:pt x="535422" y="25186"/>
+                  </a:lnTo>
+                  <a:lnTo>
+                    <a:pt x="456541" y="33138"/>
+                  </a:lnTo>
+                  <a:cubicBezTo>
+                    <a:pt x="210489" y="83487"/>
+                    <a:pt x="25399" y="301194"/>
+                    <a:pt x="25399" y="562130"/>
+                  </a:cubicBezTo>
+                  <a:cubicBezTo>
+                    <a:pt x="25399" y="823067"/>
+                    <a:pt x="210489" y="1040774"/>
+                    <a:pt x="456541" y="1091123"/>
+                  </a:cubicBezTo>
+                  <a:lnTo>
+                    <a:pt x="535422" y="1099075"/>
+                  </a:lnTo>
+                  <a:lnTo>
+                    <a:pt x="535422" y="1124687"/>
+                  </a:lnTo>
+                  <a:lnTo>
+                    <a:pt x="451423" y="1116219"/>
+                  </a:lnTo>
+                  <a:cubicBezTo>
+                    <a:pt x="193797" y="1063501"/>
+                    <a:pt x="0" y="835554"/>
+                    <a:pt x="0" y="562343"/>
+                  </a:cubicBezTo>
+                  <a:cubicBezTo>
+                    <a:pt x="0" y="289132"/>
+                    <a:pt x="193797" y="61185"/>
+                    <a:pt x="451423" y="8468"/>
+                  </a:cubicBezTo>
+                  <a:close/>
+                </a:path>
+              </a:pathLst>
+            </a:custGeom>
+            <a:solidFill>
+              <a:schemeClr val="accent1"/>
+            </a:solidFill>
+            <a:ln>
+              <a:noFill/>
+            </a:ln>
+          </p:spPr>
+          <p:style>
+            <a:lnRef idx="2">
+              <a:schemeClr val="accent1">
+                <a:shade val="50000"/>
+              </a:schemeClr>
+            </a:lnRef>
+            <a:fillRef idx="1">
+              <a:schemeClr val="accent1"/>
+            </a:fillRef>
+            <a:effectRef idx="0">
+              <a:schemeClr val="accent1"/>
+            </a:effectRef>
+            <a:fontRef idx="minor">
+              <a:schemeClr val="lt1"/>
+            </a:fontRef>
+          </p:style>
+          <p:txBody>
+            <a:bodyPr wrap="square" rtlCol="0" anchor="ctr">
+              <a:noAutofit/>
+            </a:bodyPr>
+            <a:lstStyle/>
+            <a:p>
+              <a:pPr algn="ctr"/>
+              <a:endParaRPr lang="en-US"/>
+            </a:p>
+          </p:txBody>
+        </p:sp>
+        <p:sp>
+          <p:nvSpPr>
+            <p:cNvPr id="17" name="Freeform 28">
+              <a:extLst>
+                <a:ext uri="{FF2B5EF4-FFF2-40B4-BE49-F238E27FC236}">
+                  <a16:creationId xmlns:a16="http://schemas.microsoft.com/office/drawing/2014/main" id="{B1AC917F-33CC-BD41-BD3D-389CDADA5891}"/>
+                </a:ext>
+                <a:ext uri="{C183D7F6-B498-43B3-948B-1728B52AA6E4}">
+                  <adec:decorative xmlns:adec="http://schemas.microsoft.com/office/drawing/2017/decorative" val="1"/>
+                </a:ext>
+              </a:extLst>
+            </p:cNvPr>
+            <p:cNvSpPr/>
+            <p:nvPr>
+              <p:extLst>
+                <p:ext uri="{386F3935-93C4-4BCD-93E2-E3B085C9AB24}">
+                  <p16:designElem xmlns:p16="http://schemas.microsoft.com/office/powerpoint/2015/main" val="1"/>
+                </p:ext>
+              </p:extLst>
+            </p:nvPr>
+          </p:nvSpPr>
+          <p:spPr>
+            <a:xfrm>
+              <a:off x="10291746" y="806365"/>
+              <a:ext cx="1130726" cy="1130724"/>
+            </a:xfrm>
+            <a:custGeom>
+              <a:avLst/>
+              <a:gdLst>
+                <a:gd name="connsiteX0" fmla="*/ 565363 w 1130726"/>
+                <a:gd name="connsiteY0" fmla="*/ 25186 h 1130724"/>
+                <a:gd name="connsiteX1" fmla="*/ 25399 w 1130726"/>
+                <a:gd name="connsiteY1" fmla="*/ 565149 h 1130724"/>
+                <a:gd name="connsiteX2" fmla="*/ 565363 w 1130726"/>
+                <a:gd name="connsiteY2" fmla="*/ 1105112 h 1130724"/>
+                <a:gd name="connsiteX3" fmla="*/ 1105327 w 1130726"/>
+                <a:gd name="connsiteY3" fmla="*/ 565149 h 1130724"/>
+                <a:gd name="connsiteX4" fmla="*/ 565363 w 1130726"/>
+                <a:gd name="connsiteY4" fmla="*/ 25186 h 1130724"/>
+                <a:gd name="connsiteX5" fmla="*/ 565363 w 1130726"/>
+                <a:gd name="connsiteY5" fmla="*/ 0 h 1130724"/>
+                <a:gd name="connsiteX6" fmla="*/ 1130726 w 1130726"/>
+                <a:gd name="connsiteY6" fmla="*/ 565362 h 1130724"/>
+                <a:gd name="connsiteX7" fmla="*/ 565363 w 1130726"/>
+                <a:gd name="connsiteY7" fmla="*/ 1130724 h 1130724"/>
+                <a:gd name="connsiteX8" fmla="*/ 0 w 1130726"/>
+                <a:gd name="connsiteY8" fmla="*/ 565362 h 1130724"/>
+                <a:gd name="connsiteX9" fmla="*/ 565363 w 1130726"/>
+                <a:gd name="connsiteY9" fmla="*/ 0 h 1130724"/>
+              </a:gdLst>
+              <a:ahLst/>
+              <a:cxnLst>
+                <a:cxn ang="0">
+                  <a:pos x="connsiteX0" y="connsiteY0"/>
+                </a:cxn>
+                <a:cxn ang="0">
+                  <a:pos x="connsiteX1" y="connsiteY1"/>
+                </a:cxn>
+                <a:cxn ang="0">
+                  <a:pos x="connsiteX2" y="connsiteY2"/>
+                </a:cxn>
+                <a:cxn ang="0">
+                  <a:pos x="connsiteX3" y="connsiteY3"/>
+                </a:cxn>
+                <a:cxn ang="0">
+                  <a:pos x="connsiteX4" y="connsiteY4"/>
+                </a:cxn>
+                <a:cxn ang="0">
+                  <a:pos x="connsiteX5" y="connsiteY5"/>
+                </a:cxn>
+                <a:cxn ang="0">
+                  <a:pos x="connsiteX6" y="connsiteY6"/>
+                </a:cxn>
+                <a:cxn ang="0">
+                  <a:pos x="connsiteX7" y="connsiteY7"/>
+                </a:cxn>
+                <a:cxn ang="0">
+                  <a:pos x="connsiteX8" y="connsiteY8"/>
+                </a:cxn>
+                <a:cxn ang="0">
+                  <a:pos x="connsiteX9" y="connsiteY9"/>
+                </a:cxn>
+              </a:cxnLst>
+              <a:rect l="l" t="t" r="r" b="b"/>
+              <a:pathLst>
+                <a:path w="1130726" h="1130724">
+                  <a:moveTo>
+                    <a:pt x="565363" y="25186"/>
+                  </a:moveTo>
+                  <a:cubicBezTo>
+                    <a:pt x="267149" y="25186"/>
+                    <a:pt x="25399" y="266936"/>
+                    <a:pt x="25399" y="565149"/>
+                  </a:cubicBezTo>
+                  <a:cubicBezTo>
+                    <a:pt x="25399" y="863362"/>
+                    <a:pt x="267149" y="1105112"/>
+                    <a:pt x="565363" y="1105112"/>
+                  </a:cubicBezTo>
+                  <a:cubicBezTo>
+                    <a:pt x="863577" y="1105112"/>
+                    <a:pt x="1105327" y="863362"/>
+                    <a:pt x="1105327" y="565149"/>
+                  </a:cubicBezTo>
+                  <a:cubicBezTo>
+                    <a:pt x="1105327" y="266936"/>
+                    <a:pt x="863577" y="25186"/>
+                    <a:pt x="565363" y="25186"/>
+                  </a:cubicBezTo>
+                  <a:close/>
+                  <a:moveTo>
+                    <a:pt x="565363" y="0"/>
+                  </a:moveTo>
+                  <a:cubicBezTo>
+                    <a:pt x="877604" y="0"/>
+                    <a:pt x="1130726" y="253121"/>
+                    <a:pt x="1130726" y="565362"/>
+                  </a:cubicBezTo>
+                  <a:cubicBezTo>
+                    <a:pt x="1130726" y="877603"/>
+                    <a:pt x="877604" y="1130724"/>
+                    <a:pt x="565363" y="1130724"/>
+                  </a:cubicBezTo>
+                  <a:cubicBezTo>
+                    <a:pt x="253122" y="1130724"/>
+                    <a:pt x="0" y="877603"/>
+                    <a:pt x="0" y="565362"/>
+                  </a:cubicBezTo>
+                  <a:cubicBezTo>
+                    <a:pt x="0" y="253121"/>
+                    <a:pt x="253122" y="0"/>
+                    <a:pt x="565363" y="0"/>
+                  </a:cubicBezTo>
+                  <a:close/>
+                </a:path>
+              </a:pathLst>
+            </a:custGeom>
+            <a:solidFill>
+              <a:schemeClr val="accent1"/>
+            </a:solidFill>
+            <a:ln>
+              <a:noFill/>
+            </a:ln>
+          </p:spPr>
+          <p:style>
+            <a:lnRef idx="2">
+              <a:schemeClr val="accent1">
+                <a:shade val="50000"/>
+              </a:schemeClr>
+            </a:lnRef>
+            <a:fillRef idx="1">
+              <a:schemeClr val="accent1"/>
+            </a:fillRef>
+            <a:effectRef idx="0">
+              <a:schemeClr val="accent1"/>
+            </a:effectRef>
+            <a:fontRef idx="minor">
+              <a:schemeClr val="lt1"/>
+            </a:fontRef>
+          </p:style>
+          <p:txBody>
+            <a:bodyPr wrap="square" rtlCol="0" anchor="ctr">
+              <a:noAutofit/>
+            </a:bodyPr>
+            <a:lstStyle/>
+            <a:p>
+              <a:pPr algn="ctr"/>
+              <a:endParaRPr lang="en-US"/>
+            </a:p>
+          </p:txBody>
+        </p:sp>
+        <p:sp>
+          <p:nvSpPr>
+            <p:cNvPr id="55" name="Freeform 29">
+              <a:extLst>
+                <a:ext uri="{FF2B5EF4-FFF2-40B4-BE49-F238E27FC236}">
+                  <a16:creationId xmlns:a16="http://schemas.microsoft.com/office/drawing/2014/main" id="{219FDC8D-2EFE-F143-88AB-B53BDF84E1DF}"/>
+                </a:ext>
+                <a:ext uri="{C183D7F6-B498-43B3-948B-1728B52AA6E4}">
+                  <adec:decorative xmlns:adec="http://schemas.microsoft.com/office/drawing/2017/decorative" val="1"/>
+                </a:ext>
+              </a:extLst>
+            </p:cNvPr>
+            <p:cNvSpPr/>
+            <p:nvPr>
+              <p:extLst>
+                <p:ext uri="{386F3935-93C4-4BCD-93E2-E3B085C9AB24}">
+                  <p16:designElem xmlns:p16="http://schemas.microsoft.com/office/powerpoint/2015/main" val="1"/>
+                </p:ext>
+              </p:extLst>
+            </p:nvPr>
+          </p:nvSpPr>
+          <p:spPr>
+            <a:xfrm>
+              <a:off x="11656578" y="3552837"/>
+              <a:ext cx="535422" cy="1124688"/>
+            </a:xfrm>
+            <a:custGeom>
+              <a:avLst/>
+              <a:gdLst>
+                <a:gd name="connsiteX0" fmla="*/ 535422 w 535422"/>
+                <a:gd name="connsiteY0" fmla="*/ 0 h 1124688"/>
+                <a:gd name="connsiteX1" fmla="*/ 535422 w 535422"/>
+                <a:gd name="connsiteY1" fmla="*/ 25186 h 1124688"/>
+                <a:gd name="connsiteX2" fmla="*/ 456541 w 535422"/>
+                <a:gd name="connsiteY2" fmla="*/ 33138 h 1124688"/>
+                <a:gd name="connsiteX3" fmla="*/ 25399 w 535422"/>
+                <a:gd name="connsiteY3" fmla="*/ 562131 h 1124688"/>
+                <a:gd name="connsiteX4" fmla="*/ 456541 w 535422"/>
+                <a:gd name="connsiteY4" fmla="*/ 1091124 h 1124688"/>
+                <a:gd name="connsiteX5" fmla="*/ 535422 w 535422"/>
+                <a:gd name="connsiteY5" fmla="*/ 1099076 h 1124688"/>
+                <a:gd name="connsiteX6" fmla="*/ 535422 w 535422"/>
+                <a:gd name="connsiteY6" fmla="*/ 1124688 h 1124688"/>
+                <a:gd name="connsiteX7" fmla="*/ 451423 w 535422"/>
+                <a:gd name="connsiteY7" fmla="*/ 1116220 h 1124688"/>
+                <a:gd name="connsiteX8" fmla="*/ 0 w 535422"/>
+                <a:gd name="connsiteY8" fmla="*/ 562344 h 1124688"/>
+                <a:gd name="connsiteX9" fmla="*/ 451423 w 535422"/>
+                <a:gd name="connsiteY9" fmla="*/ 8468 h 1124688"/>
+              </a:gdLst>
+              <a:ahLst/>
+              <a:cxnLst>
+                <a:cxn ang="0">
+                  <a:pos x="connsiteX0" y="connsiteY0"/>
+                </a:cxn>
+                <a:cxn ang="0">
+                  <a:pos x="connsiteX1" y="connsiteY1"/>
+                </a:cxn>
+                <a:cxn ang="0">
+                  <a:pos x="connsiteX2" y="connsiteY2"/>
+                </a:cxn>
+                <a:cxn ang="0">
+                  <a:pos x="connsiteX3" y="connsiteY3"/>
+                </a:cxn>
+                <a:cxn ang="0">
+                  <a:pos x="connsiteX4" y="connsiteY4"/>
+                </a:cxn>
+                <a:cxn ang="0">
+                  <a:pos x="connsiteX5" y="connsiteY5"/>
+                </a:cxn>
+                <a:cxn ang="0">
+                  <a:pos x="connsiteX6" y="connsiteY6"/>
+                </a:cxn>
+                <a:cxn ang="0">
+                  <a:pos x="connsiteX7" y="connsiteY7"/>
+                </a:cxn>
+                <a:cxn ang="0">
+                  <a:pos x="connsiteX8" y="connsiteY8"/>
+                </a:cxn>
+                <a:cxn ang="0">
+                  <a:pos x="connsiteX9" y="connsiteY9"/>
+                </a:cxn>
+              </a:cxnLst>
+              <a:rect l="l" t="t" r="r" b="b"/>
+              <a:pathLst>
+                <a:path w="535422" h="1124688">
+                  <a:moveTo>
+                    <a:pt x="535422" y="0"/>
+                  </a:moveTo>
+                  <a:lnTo>
+                    <a:pt x="535422" y="25186"/>
+                  </a:lnTo>
+                  <a:lnTo>
+                    <a:pt x="456541" y="33138"/>
+                  </a:lnTo>
+                  <a:cubicBezTo>
+                    <a:pt x="210489" y="83488"/>
+                    <a:pt x="25399" y="301195"/>
+                    <a:pt x="25399" y="562131"/>
+                  </a:cubicBezTo>
+                  <a:cubicBezTo>
+                    <a:pt x="25399" y="823068"/>
+                    <a:pt x="210489" y="1040775"/>
+                    <a:pt x="456541" y="1091124"/>
+                  </a:cubicBezTo>
+                  <a:lnTo>
+                    <a:pt x="535422" y="1099076"/>
+                  </a:lnTo>
+                  <a:lnTo>
+                    <a:pt x="535422" y="1124688"/>
+                  </a:lnTo>
+                  <a:lnTo>
+                    <a:pt x="451423" y="1116220"/>
+                  </a:lnTo>
+                  <a:cubicBezTo>
+                    <a:pt x="193797" y="1063502"/>
+                    <a:pt x="0" y="835555"/>
+                    <a:pt x="0" y="562344"/>
+                  </a:cubicBezTo>
+                  <a:cubicBezTo>
+                    <a:pt x="0" y="289133"/>
+                    <a:pt x="193797" y="61186"/>
+                    <a:pt x="451423" y="8468"/>
+                  </a:cubicBezTo>
+                  <a:close/>
+                </a:path>
+              </a:pathLst>
+            </a:custGeom>
+            <a:solidFill>
+              <a:schemeClr val="accent1"/>
+            </a:solidFill>
+            <a:ln>
+              <a:noFill/>
+            </a:ln>
+          </p:spPr>
+          <p:style>
+            <a:lnRef idx="2">
+              <a:schemeClr val="accent1">
+                <a:shade val="50000"/>
+              </a:schemeClr>
+            </a:lnRef>
+            <a:fillRef idx="1">
+              <a:schemeClr val="accent1"/>
+            </a:fillRef>
+            <a:effectRef idx="0">
+              <a:schemeClr val="accent1"/>
+            </a:effectRef>
+            <a:fontRef idx="minor">
+              <a:schemeClr val="lt1"/>
+            </a:fontRef>
+          </p:style>
+          <p:txBody>
+            <a:bodyPr wrap="square" rtlCol="0" anchor="ctr">
+              <a:noAutofit/>
+            </a:bodyPr>
+            <a:lstStyle/>
+            <a:p>
+              <a:pPr algn="ctr"/>
+              <a:endParaRPr lang="en-US"/>
+            </a:p>
+          </p:txBody>
+        </p:sp>
+        <p:sp>
+          <p:nvSpPr>
+            <p:cNvPr id="19" name="Freeform 30">
+              <a:extLst>
+                <a:ext uri="{FF2B5EF4-FFF2-40B4-BE49-F238E27FC236}">
+                  <a16:creationId xmlns:a16="http://schemas.microsoft.com/office/drawing/2014/main" id="{EB93DBCE-E7A6-BE4D-8D07-3D07913D936C}"/>
+                </a:ext>
+                <a:ext uri="{C183D7F6-B498-43B3-948B-1728B52AA6E4}">
+                  <adec:decorative xmlns:adec="http://schemas.microsoft.com/office/drawing/2017/decorative" val="1"/>
+                </a:ext>
+              </a:extLst>
+            </p:cNvPr>
+            <p:cNvSpPr/>
+            <p:nvPr>
+              <p:extLst>
+                <p:ext uri="{386F3935-93C4-4BCD-93E2-E3B085C9AB24}">
+                  <p16:designElem xmlns:p16="http://schemas.microsoft.com/office/powerpoint/2015/main" val="1"/>
+                </p:ext>
+              </p:extLst>
+            </p:nvPr>
+          </p:nvSpPr>
+          <p:spPr>
+            <a:xfrm>
+              <a:off x="11656642" y="6295916"/>
+              <a:ext cx="535358" cy="562084"/>
+            </a:xfrm>
+            <a:custGeom>
+              <a:avLst/>
+              <a:gdLst>
+                <a:gd name="connsiteX0" fmla="*/ 535358 w 535358"/>
+                <a:gd name="connsiteY0" fmla="*/ 0 h 562084"/>
+                <a:gd name="connsiteX1" fmla="*/ 535358 w 535358"/>
+                <a:gd name="connsiteY1" fmla="*/ 25186 h 562084"/>
+                <a:gd name="connsiteX2" fmla="*/ 469717 w 535358"/>
+                <a:gd name="connsiteY2" fmla="*/ 30978 h 562084"/>
+                <a:gd name="connsiteX3" fmla="*/ 36306 w 535358"/>
+                <a:gd name="connsiteY3" fmla="*/ 453686 h 562084"/>
+                <a:gd name="connsiteX4" fmla="*/ 25378 w 535358"/>
+                <a:gd name="connsiteY4" fmla="*/ 562084 h 562084"/>
+                <a:gd name="connsiteX5" fmla="*/ 0 w 535358"/>
+                <a:gd name="connsiteY5" fmla="*/ 562084 h 562084"/>
+                <a:gd name="connsiteX6" fmla="*/ 11423 w 535358"/>
+                <a:gd name="connsiteY6" fmla="*/ 448780 h 562084"/>
+                <a:gd name="connsiteX7" fmla="*/ 465221 w 535358"/>
+                <a:gd name="connsiteY7" fmla="*/ 6189 h 562084"/>
+              </a:gdLst>
+              <a:ahLst/>
+              <a:cxnLst>
+                <a:cxn ang="0">
+                  <a:pos x="connsiteX0" y="connsiteY0"/>
+                </a:cxn>
+                <a:cxn ang="0">
+                  <a:pos x="connsiteX1" y="connsiteY1"/>
+                </a:cxn>
+                <a:cxn ang="0">
+                  <a:pos x="connsiteX2" y="connsiteY2"/>
+                </a:cxn>
+                <a:cxn ang="0">
+                  <a:pos x="connsiteX3" y="connsiteY3"/>
+                </a:cxn>
+                <a:cxn ang="0">
+                  <a:pos x="connsiteX4" y="connsiteY4"/>
+                </a:cxn>
+                <a:cxn ang="0">
+                  <a:pos x="connsiteX5" y="connsiteY5"/>
+                </a:cxn>
+                <a:cxn ang="0">
+                  <a:pos x="connsiteX6" y="connsiteY6"/>
+                </a:cxn>
+                <a:cxn ang="0">
+                  <a:pos x="connsiteX7" y="connsiteY7"/>
+                </a:cxn>
+              </a:cxnLst>
+              <a:rect l="l" t="t" r="r" b="b"/>
+              <a:pathLst>
+                <a:path w="535358" h="562084">
+                  <a:moveTo>
+                    <a:pt x="535358" y="0"/>
+                  </a:moveTo>
+                  <a:lnTo>
+                    <a:pt x="535358" y="25186"/>
+                  </a:lnTo>
+                  <a:lnTo>
+                    <a:pt x="469717" y="30978"/>
+                  </a:lnTo>
+                  <a:cubicBezTo>
+                    <a:pt x="252550" y="69769"/>
+                    <a:pt x="80361" y="238391"/>
+                    <a:pt x="36306" y="453686"/>
+                  </a:cubicBezTo>
+                  <a:lnTo>
+                    <a:pt x="25378" y="562084"/>
+                  </a:lnTo>
+                  <a:lnTo>
+                    <a:pt x="0" y="562084"/>
+                  </a:lnTo>
+                  <a:lnTo>
+                    <a:pt x="11423" y="448780"/>
+                  </a:lnTo>
+                  <a:cubicBezTo>
+                    <a:pt x="57551" y="223357"/>
+                    <a:pt x="237840" y="46805"/>
+                    <a:pt x="465221" y="6189"/>
+                  </a:cubicBezTo>
+                  <a:close/>
+                </a:path>
+              </a:pathLst>
+            </a:custGeom>
+            <a:solidFill>
+              <a:schemeClr val="accent1"/>
+            </a:solidFill>
+            <a:ln>
+              <a:noFill/>
+            </a:ln>
+          </p:spPr>
+          <p:style>
+            <a:lnRef idx="2">
+              <a:schemeClr val="accent1">
+                <a:shade val="50000"/>
+              </a:schemeClr>
+            </a:lnRef>
+            <a:fillRef idx="1">
+              <a:schemeClr val="accent1"/>
+            </a:fillRef>
+            <a:effectRef idx="0">
+              <a:schemeClr val="accent1"/>
+            </a:effectRef>
+            <a:fontRef idx="minor">
+              <a:schemeClr val="lt1"/>
+            </a:fontRef>
+          </p:style>
+          <p:txBody>
+            <a:bodyPr wrap="square" rtlCol="0" anchor="ctr">
+              <a:noAutofit/>
+            </a:bodyPr>
+            <a:lstStyle/>
+            <a:p>
+              <a:pPr algn="ctr"/>
+              <a:endParaRPr lang="en-US"/>
+            </a:p>
+          </p:txBody>
+        </p:sp>
+      </p:grpSp>
+    </p:spTree>
+    <p:extLst>
+      <p:ext uri="{BB962C8B-B14F-4D97-AF65-F5344CB8AC3E}">
+        <p14:creationId xmlns:p14="http://schemas.microsoft.com/office/powerpoint/2010/main" val="440032044"/>
       </p:ext>
     </p:extLst>
   </p:cSld>
